--- a/Unit 2 Electricity and Magnetism/Day 05 Mixed Circuit Analysis/Mixed Circuit Analysis.pptx
+++ b/Unit 2 Electricity and Magnetism/Day 05 Mixed Circuit Analysis/Mixed Circuit Analysis.pptx
@@ -6,12 +6,21 @@
   </p:sldMasterIdLst>
   <p:sldIdLst>
     <p:sldId id="256" r:id="rId2"/>
-    <p:sldId id="262" r:id="rId3"/>
-    <p:sldId id="261" r:id="rId4"/>
-    <p:sldId id="257" r:id="rId5"/>
-    <p:sldId id="260" r:id="rId6"/>
-    <p:sldId id="258" r:id="rId7"/>
-    <p:sldId id="263" r:id="rId8"/>
+    <p:sldId id="264" r:id="rId3"/>
+    <p:sldId id="266" r:id="rId4"/>
+    <p:sldId id="267" r:id="rId5"/>
+    <p:sldId id="268" r:id="rId6"/>
+    <p:sldId id="269" r:id="rId7"/>
+    <p:sldId id="271" r:id="rId8"/>
+    <p:sldId id="272" r:id="rId9"/>
+    <p:sldId id="273" r:id="rId10"/>
+    <p:sldId id="265" r:id="rId11"/>
+    <p:sldId id="262" r:id="rId12"/>
+    <p:sldId id="261" r:id="rId13"/>
+    <p:sldId id="257" r:id="rId14"/>
+    <p:sldId id="260" r:id="rId15"/>
+    <p:sldId id="258" r:id="rId16"/>
+    <p:sldId id="263" r:id="rId17"/>
   </p:sldIdLst>
   <p:sldSz cx="12192000" cy="6858000"/>
   <p:notesSz cx="6858000" cy="9144000"/>
@@ -249,7 +258,7 @@
           <a:p>
             <a:fld id="{CCD5E439-6E6F-487E-BF6A-4C6693686CD2}" type="datetimeFigureOut">
               <a:rPr lang="en-US" smtClean="0"/>
-              <a:t>9/24/2018</a:t>
+              <a:t>9/23/2019</a:t>
             </a:fld>
             <a:endParaRPr lang="en-US"/>
           </a:p>
@@ -419,7 +428,7 @@
           <a:p>
             <a:fld id="{CCD5E439-6E6F-487E-BF6A-4C6693686CD2}" type="datetimeFigureOut">
               <a:rPr lang="en-US" smtClean="0"/>
-              <a:t>9/24/2018</a:t>
+              <a:t>9/23/2019</a:t>
             </a:fld>
             <a:endParaRPr lang="en-US"/>
           </a:p>
@@ -599,7 +608,7 @@
           <a:p>
             <a:fld id="{CCD5E439-6E6F-487E-BF6A-4C6693686CD2}" type="datetimeFigureOut">
               <a:rPr lang="en-US" smtClean="0"/>
-              <a:t>9/24/2018</a:t>
+              <a:t>9/23/2019</a:t>
             </a:fld>
             <a:endParaRPr lang="en-US"/>
           </a:p>
@@ -769,7 +778,7 @@
           <a:p>
             <a:fld id="{CCD5E439-6E6F-487E-BF6A-4C6693686CD2}" type="datetimeFigureOut">
               <a:rPr lang="en-US" smtClean="0"/>
-              <a:t>9/24/2018</a:t>
+              <a:t>9/23/2019</a:t>
             </a:fld>
             <a:endParaRPr lang="en-US"/>
           </a:p>
@@ -1015,7 +1024,7 @@
           <a:p>
             <a:fld id="{CCD5E439-6E6F-487E-BF6A-4C6693686CD2}" type="datetimeFigureOut">
               <a:rPr lang="en-US" smtClean="0"/>
-              <a:t>9/24/2018</a:t>
+              <a:t>9/23/2019</a:t>
             </a:fld>
             <a:endParaRPr lang="en-US"/>
           </a:p>
@@ -1247,7 +1256,7 @@
           <a:p>
             <a:fld id="{CCD5E439-6E6F-487E-BF6A-4C6693686CD2}" type="datetimeFigureOut">
               <a:rPr lang="en-US" smtClean="0"/>
-              <a:t>9/24/2018</a:t>
+              <a:t>9/23/2019</a:t>
             </a:fld>
             <a:endParaRPr lang="en-US"/>
           </a:p>
@@ -1614,7 +1623,7 @@
           <a:p>
             <a:fld id="{CCD5E439-6E6F-487E-BF6A-4C6693686CD2}" type="datetimeFigureOut">
               <a:rPr lang="en-US" smtClean="0"/>
-              <a:t>9/24/2018</a:t>
+              <a:t>9/23/2019</a:t>
             </a:fld>
             <a:endParaRPr lang="en-US"/>
           </a:p>
@@ -1732,7 +1741,7 @@
           <a:p>
             <a:fld id="{CCD5E439-6E6F-487E-BF6A-4C6693686CD2}" type="datetimeFigureOut">
               <a:rPr lang="en-US" smtClean="0"/>
-              <a:t>9/24/2018</a:t>
+              <a:t>9/23/2019</a:t>
             </a:fld>
             <a:endParaRPr lang="en-US"/>
           </a:p>
@@ -1827,7 +1836,7 @@
           <a:p>
             <a:fld id="{CCD5E439-6E6F-487E-BF6A-4C6693686CD2}" type="datetimeFigureOut">
               <a:rPr lang="en-US" smtClean="0"/>
-              <a:t>9/24/2018</a:t>
+              <a:t>9/23/2019</a:t>
             </a:fld>
             <a:endParaRPr lang="en-US"/>
           </a:p>
@@ -2104,7 +2113,7 @@
           <a:p>
             <a:fld id="{CCD5E439-6E6F-487E-BF6A-4C6693686CD2}" type="datetimeFigureOut">
               <a:rPr lang="en-US" smtClean="0"/>
-              <a:t>9/24/2018</a:t>
+              <a:t>9/23/2019</a:t>
             </a:fld>
             <a:endParaRPr lang="en-US"/>
           </a:p>
@@ -2357,7 +2366,7 @@
           <a:p>
             <a:fld id="{CCD5E439-6E6F-487E-BF6A-4C6693686CD2}" type="datetimeFigureOut">
               <a:rPr lang="en-US" smtClean="0"/>
-              <a:t>9/24/2018</a:t>
+              <a:t>9/23/2019</a:t>
             </a:fld>
             <a:endParaRPr lang="en-US"/>
           </a:p>
@@ -2570,7 +2579,7 @@
           <a:p>
             <a:fld id="{CCD5E439-6E6F-487E-BF6A-4C6693686CD2}" type="datetimeFigureOut">
               <a:rPr lang="en-US" smtClean="0"/>
-              <a:t>9/24/2018</a:t>
+              <a:t>9/23/2019</a:t>
             </a:fld>
             <a:endParaRPr lang="en-US"/>
           </a:p>
@@ -3037,7 +3046,75 @@
 </p:sld>
 </file>
 
-<file path=ppt/slides/slide2.xml><?xml version="1.0" encoding="utf-8"?>
+<file path=ppt/slides/slide10.xml><?xml version="1.0" encoding="utf-8"?>
+<p:sld xmlns:a="http://schemas.openxmlformats.org/drawingml/2006/main" xmlns:r="http://schemas.openxmlformats.org/officeDocument/2006/relationships" xmlns:p="http://schemas.openxmlformats.org/presentationml/2006/main">
+  <p:cSld>
+    <p:spTree>
+      <p:nvGrpSpPr>
+        <p:cNvPr id="1" name=""/>
+        <p:cNvGrpSpPr/>
+        <p:nvPr/>
+      </p:nvGrpSpPr>
+      <p:grpSpPr>
+        <a:xfrm>
+          <a:off x="0" y="0"/>
+          <a:ext cx="0" cy="0"/>
+          <a:chOff x="0" y="0"/>
+          <a:chExt cx="0" cy="0"/>
+        </a:xfrm>
+      </p:grpSpPr>
+      <p:sp>
+        <p:nvSpPr>
+          <p:cNvPr id="2" name="Title 1"/>
+          <p:cNvSpPr>
+            <a:spLocks noGrp="1"/>
+          </p:cNvSpPr>
+          <p:nvPr>
+            <p:ph type="title"/>
+          </p:nvPr>
+        </p:nvSpPr>
+        <p:spPr/>
+        <p:txBody>
+          <a:bodyPr/>
+          <a:lstStyle/>
+          <a:p>
+            <a:endParaRPr lang="en-US"/>
+          </a:p>
+        </p:txBody>
+      </p:sp>
+      <p:sp>
+        <p:nvSpPr>
+          <p:cNvPr id="3" name="Content Placeholder 2"/>
+          <p:cNvSpPr>
+            <a:spLocks noGrp="1"/>
+          </p:cNvSpPr>
+          <p:nvPr>
+            <p:ph idx="1"/>
+          </p:nvPr>
+        </p:nvSpPr>
+        <p:spPr/>
+        <p:txBody>
+          <a:bodyPr/>
+          <a:lstStyle/>
+          <a:p>
+            <a:endParaRPr lang="en-US"/>
+          </a:p>
+        </p:txBody>
+      </p:sp>
+    </p:spTree>
+    <p:extLst>
+      <p:ext uri="{BB962C8B-B14F-4D97-AF65-F5344CB8AC3E}">
+        <p14:creationId xmlns:p14="http://schemas.microsoft.com/office/powerpoint/2010/main" val="1298652097"/>
+      </p:ext>
+    </p:extLst>
+  </p:cSld>
+  <p:clrMapOvr>
+    <a:masterClrMapping/>
+  </p:clrMapOvr>
+</p:sld>
+</file>
+
+<file path=ppt/slides/slide11.xml><?xml version="1.0" encoding="utf-8"?>
 <p:sld xmlns:a="http://schemas.openxmlformats.org/drawingml/2006/main" xmlns:r="http://schemas.openxmlformats.org/officeDocument/2006/relationships" xmlns:p="http://schemas.openxmlformats.org/presentationml/2006/main">
   <p:cSld>
     <p:spTree>
@@ -4344,7 +4421,7 @@
 </p:sld>
 </file>
 
-<file path=ppt/slides/slide3.xml><?xml version="1.0" encoding="utf-8"?>
+<file path=ppt/slides/slide12.xml><?xml version="1.0" encoding="utf-8"?>
 <p:sld xmlns:a="http://schemas.openxmlformats.org/drawingml/2006/main" xmlns:r="http://schemas.openxmlformats.org/officeDocument/2006/relationships" xmlns:p="http://schemas.openxmlformats.org/presentationml/2006/main">
   <p:cSld>
     <p:spTree>
@@ -6600,7 +6677,7 @@
 </p:sld>
 </file>
 
-<file path=ppt/slides/slide4.xml><?xml version="1.0" encoding="utf-8"?>
+<file path=ppt/slides/slide13.xml><?xml version="1.0" encoding="utf-8"?>
 <p:sld xmlns:a="http://schemas.openxmlformats.org/drawingml/2006/main" xmlns:r="http://schemas.openxmlformats.org/officeDocument/2006/relationships" xmlns:p="http://schemas.openxmlformats.org/presentationml/2006/main">
   <p:cSld>
     <p:spTree>
@@ -6670,15 +6747,7 @@
             </a:pPr>
             <a:r>
               <a:rPr lang="en-CA" sz="2000" dirty="0" smtClean="0"/>
-              <a:t>Identify </a:t>
-            </a:r>
-            <a:r>
-              <a:rPr lang="en-CA" sz="2000" dirty="0" smtClean="0"/>
-              <a:t>An Area </a:t>
-            </a:r>
-            <a:r>
-              <a:rPr lang="en-CA" sz="2000" dirty="0" smtClean="0"/>
-              <a:t>to Simplify</a:t>
+              <a:t>Identify An Area to Simplify</a:t>
             </a:r>
           </a:p>
           <a:p>
@@ -7016,7 +7085,7 @@
 </p:sld>
 </file>
 
-<file path=ppt/slides/slide5.xml><?xml version="1.0" encoding="utf-8"?>
+<file path=ppt/slides/slide14.xml><?xml version="1.0" encoding="utf-8"?>
 <p:sld xmlns:a="http://schemas.openxmlformats.org/drawingml/2006/main" xmlns:r="http://schemas.openxmlformats.org/officeDocument/2006/relationships" xmlns:p="http://schemas.openxmlformats.org/presentationml/2006/main">
   <p:cSld>
     <p:spTree>
@@ -7086,15 +7155,7 @@
             </a:pPr>
             <a:r>
               <a:rPr lang="en-CA" sz="2000" dirty="0" smtClean="0"/>
-              <a:t>Identify </a:t>
-            </a:r>
-            <a:r>
-              <a:rPr lang="en-CA" sz="2000" dirty="0" smtClean="0"/>
-              <a:t>An Area </a:t>
-            </a:r>
-            <a:r>
-              <a:rPr lang="en-CA" sz="2000" dirty="0" smtClean="0"/>
-              <a:t>to Simplify</a:t>
+              <a:t>Identify An Area to Simplify</a:t>
             </a:r>
           </a:p>
           <a:p>
@@ -7174,7 +7235,7 @@
 </p:sld>
 </file>
 
-<file path=ppt/slides/slide6.xml><?xml version="1.0" encoding="utf-8"?>
+<file path=ppt/slides/slide15.xml><?xml version="1.0" encoding="utf-8"?>
 <p:sld xmlns:a="http://schemas.openxmlformats.org/drawingml/2006/main" xmlns:r="http://schemas.openxmlformats.org/officeDocument/2006/relationships" xmlns:p="http://schemas.openxmlformats.org/presentationml/2006/main">
   <p:cSld>
     <p:spTree>
@@ -7543,7 +7604,7 @@
 </p:sld>
 </file>
 
-<file path=ppt/slides/slide7.xml><?xml version="1.0" encoding="utf-8"?>
+<file path=ppt/slides/slide16.xml><?xml version="1.0" encoding="utf-8"?>
 <p:sld xmlns:a="http://schemas.openxmlformats.org/drawingml/2006/main" xmlns:r="http://schemas.openxmlformats.org/officeDocument/2006/relationships" xmlns:p="http://schemas.openxmlformats.org/presentationml/2006/main">
   <p:cSld>
     <p:spTree>
@@ -10206,10 +10267,1601 @@
           </p:txBody>
         </p:sp>
       </p:grpSp>
+      <p:pic>
+        <p:nvPicPr>
+          <p:cNvPr id="1026" name="Picture 2" descr="Image result for parallel circuit"/>
+          <p:cNvPicPr>
+            <a:picLocks noChangeAspect="1" noChangeArrowheads="1"/>
+          </p:cNvPicPr>
+          <p:nvPr/>
+        </p:nvPicPr>
+        <p:blipFill>
+          <a:blip r:embed="rId4">
+            <a:extLst>
+              <a:ext uri="{28A0092B-C50C-407E-A947-70E740481C1C}">
+                <a14:useLocalDpi xmlns:a14="http://schemas.microsoft.com/office/drawing/2010/main" val="0"/>
+              </a:ext>
+            </a:extLst>
+          </a:blip>
+          <a:srcRect/>
+          <a:stretch>
+            <a:fillRect/>
+          </a:stretch>
+        </p:blipFill>
+        <p:spPr bwMode="auto">
+          <a:xfrm>
+            <a:off x="7118537" y="4120122"/>
+            <a:ext cx="3124200" cy="1952625"/>
+          </a:xfrm>
+          <a:prstGeom prst="rect">
+            <a:avLst/>
+          </a:prstGeom>
+          <a:noFill/>
+          <a:extLst>
+            <a:ext uri="{909E8E84-426E-40DD-AFC4-6F175D3DCCD1}">
+              <a14:hiddenFill xmlns:a14="http://schemas.microsoft.com/office/drawing/2010/main">
+                <a:solidFill>
+                  <a:srgbClr val="FFFFFF"/>
+                </a:solidFill>
+              </a14:hiddenFill>
+            </a:ext>
+          </a:extLst>
+        </p:spPr>
+      </p:pic>
+      <p:sp>
+        <p:nvSpPr>
+          <p:cNvPr id="54" name="TextBox 52"/>
+          <p:cNvSpPr txBox="1"/>
+          <p:nvPr/>
+        </p:nvSpPr>
+        <p:spPr>
+          <a:xfrm>
+            <a:off x="8490164" y="5238750"/>
+            <a:ext cx="434734" cy="307777"/>
+          </a:xfrm>
+          <a:prstGeom prst="rect">
+            <a:avLst/>
+          </a:prstGeom>
+          <a:noFill/>
+        </p:spPr>
+        <p:txBody>
+          <a:bodyPr wrap="none" rtlCol="0">
+            <a:spAutoFit/>
+          </a:bodyPr>
+          <a:lstStyle>
+            <a:defPPr>
+              <a:defRPr lang="en-US"/>
+            </a:defPPr>
+            <a:lvl1pPr marL="0" algn="l" defTabSz="914400" rtl="0" eaLnBrk="1" latinLnBrk="0" hangingPunct="1">
+              <a:defRPr sz="1800" kern="1200">
+                <a:solidFill>
+                  <a:schemeClr val="tx1"/>
+                </a:solidFill>
+                <a:latin typeface="+mn-lt"/>
+                <a:ea typeface="+mn-ea"/>
+                <a:cs typeface="+mn-cs"/>
+              </a:defRPr>
+            </a:lvl1pPr>
+            <a:lvl2pPr marL="457200" algn="l" defTabSz="914400" rtl="0" eaLnBrk="1" latinLnBrk="0" hangingPunct="1">
+              <a:defRPr sz="1800" kern="1200">
+                <a:solidFill>
+                  <a:schemeClr val="tx1"/>
+                </a:solidFill>
+                <a:latin typeface="+mn-lt"/>
+                <a:ea typeface="+mn-ea"/>
+                <a:cs typeface="+mn-cs"/>
+              </a:defRPr>
+            </a:lvl2pPr>
+            <a:lvl3pPr marL="914400" algn="l" defTabSz="914400" rtl="0" eaLnBrk="1" latinLnBrk="0" hangingPunct="1">
+              <a:defRPr sz="1800" kern="1200">
+                <a:solidFill>
+                  <a:schemeClr val="tx1"/>
+                </a:solidFill>
+                <a:latin typeface="+mn-lt"/>
+                <a:ea typeface="+mn-ea"/>
+                <a:cs typeface="+mn-cs"/>
+              </a:defRPr>
+            </a:lvl3pPr>
+            <a:lvl4pPr marL="1371600" algn="l" defTabSz="914400" rtl="0" eaLnBrk="1" latinLnBrk="0" hangingPunct="1">
+              <a:defRPr sz="1800" kern="1200">
+                <a:solidFill>
+                  <a:schemeClr val="tx1"/>
+                </a:solidFill>
+                <a:latin typeface="+mn-lt"/>
+                <a:ea typeface="+mn-ea"/>
+                <a:cs typeface="+mn-cs"/>
+              </a:defRPr>
+            </a:lvl4pPr>
+            <a:lvl5pPr marL="1828800" algn="l" defTabSz="914400" rtl="0" eaLnBrk="1" latinLnBrk="0" hangingPunct="1">
+              <a:defRPr sz="1800" kern="1200">
+                <a:solidFill>
+                  <a:schemeClr val="tx1"/>
+                </a:solidFill>
+                <a:latin typeface="+mn-lt"/>
+                <a:ea typeface="+mn-ea"/>
+                <a:cs typeface="+mn-cs"/>
+              </a:defRPr>
+            </a:lvl5pPr>
+            <a:lvl6pPr marL="2286000" algn="l" defTabSz="914400" rtl="0" eaLnBrk="1" latinLnBrk="0" hangingPunct="1">
+              <a:defRPr sz="1800" kern="1200">
+                <a:solidFill>
+                  <a:schemeClr val="tx1"/>
+                </a:solidFill>
+                <a:latin typeface="+mn-lt"/>
+                <a:ea typeface="+mn-ea"/>
+                <a:cs typeface="+mn-cs"/>
+              </a:defRPr>
+            </a:lvl6pPr>
+            <a:lvl7pPr marL="2743200" algn="l" defTabSz="914400" rtl="0" eaLnBrk="1" latinLnBrk="0" hangingPunct="1">
+              <a:defRPr sz="1800" kern="1200">
+                <a:solidFill>
+                  <a:schemeClr val="tx1"/>
+                </a:solidFill>
+                <a:latin typeface="+mn-lt"/>
+                <a:ea typeface="+mn-ea"/>
+                <a:cs typeface="+mn-cs"/>
+              </a:defRPr>
+            </a:lvl7pPr>
+            <a:lvl8pPr marL="3200400" algn="l" defTabSz="914400" rtl="0" eaLnBrk="1" latinLnBrk="0" hangingPunct="1">
+              <a:defRPr sz="1800" kern="1200">
+                <a:solidFill>
+                  <a:schemeClr val="tx1"/>
+                </a:solidFill>
+                <a:latin typeface="+mn-lt"/>
+                <a:ea typeface="+mn-ea"/>
+                <a:cs typeface="+mn-cs"/>
+              </a:defRPr>
+            </a:lvl8pPr>
+            <a:lvl9pPr marL="3657600" algn="l" defTabSz="914400" rtl="0" eaLnBrk="1" latinLnBrk="0" hangingPunct="1">
+              <a:defRPr sz="1800" kern="1200">
+                <a:solidFill>
+                  <a:schemeClr val="tx1"/>
+                </a:solidFill>
+                <a:latin typeface="+mn-lt"/>
+                <a:ea typeface="+mn-ea"/>
+                <a:cs typeface="+mn-cs"/>
+              </a:defRPr>
+            </a:lvl9pPr>
+          </a:lstStyle>
+          <a:p>
+            <a:r>
+              <a:rPr lang="en-CA" sz="1400" dirty="0" smtClean="0"/>
+              <a:t>9 </a:t>
+            </a:r>
+            <a:r>
+              <a:rPr lang="el-GR" sz="1400" dirty="0"/>
+              <a:t>Ω</a:t>
+            </a:r>
+            <a:endParaRPr lang="en-CA" sz="1400" dirty="0"/>
+          </a:p>
+        </p:txBody>
+      </p:sp>
+      <p:sp>
+        <p:nvSpPr>
+          <p:cNvPr id="55" name="TextBox 52"/>
+          <p:cNvSpPr txBox="1"/>
+          <p:nvPr/>
+        </p:nvSpPr>
+        <p:spPr>
+          <a:xfrm>
+            <a:off x="9202871" y="5242811"/>
+            <a:ext cx="434734" cy="307777"/>
+          </a:xfrm>
+          <a:prstGeom prst="rect">
+            <a:avLst/>
+          </a:prstGeom>
+          <a:noFill/>
+        </p:spPr>
+        <p:txBody>
+          <a:bodyPr wrap="none" rtlCol="0">
+            <a:spAutoFit/>
+          </a:bodyPr>
+          <a:lstStyle>
+            <a:defPPr>
+              <a:defRPr lang="en-US"/>
+            </a:defPPr>
+            <a:lvl1pPr marL="0" algn="l" defTabSz="914400" rtl="0" eaLnBrk="1" latinLnBrk="0" hangingPunct="1">
+              <a:defRPr sz="1800" kern="1200">
+                <a:solidFill>
+                  <a:schemeClr val="tx1"/>
+                </a:solidFill>
+                <a:latin typeface="+mn-lt"/>
+                <a:ea typeface="+mn-ea"/>
+                <a:cs typeface="+mn-cs"/>
+              </a:defRPr>
+            </a:lvl1pPr>
+            <a:lvl2pPr marL="457200" algn="l" defTabSz="914400" rtl="0" eaLnBrk="1" latinLnBrk="0" hangingPunct="1">
+              <a:defRPr sz="1800" kern="1200">
+                <a:solidFill>
+                  <a:schemeClr val="tx1"/>
+                </a:solidFill>
+                <a:latin typeface="+mn-lt"/>
+                <a:ea typeface="+mn-ea"/>
+                <a:cs typeface="+mn-cs"/>
+              </a:defRPr>
+            </a:lvl2pPr>
+            <a:lvl3pPr marL="914400" algn="l" defTabSz="914400" rtl="0" eaLnBrk="1" latinLnBrk="0" hangingPunct="1">
+              <a:defRPr sz="1800" kern="1200">
+                <a:solidFill>
+                  <a:schemeClr val="tx1"/>
+                </a:solidFill>
+                <a:latin typeface="+mn-lt"/>
+                <a:ea typeface="+mn-ea"/>
+                <a:cs typeface="+mn-cs"/>
+              </a:defRPr>
+            </a:lvl3pPr>
+            <a:lvl4pPr marL="1371600" algn="l" defTabSz="914400" rtl="0" eaLnBrk="1" latinLnBrk="0" hangingPunct="1">
+              <a:defRPr sz="1800" kern="1200">
+                <a:solidFill>
+                  <a:schemeClr val="tx1"/>
+                </a:solidFill>
+                <a:latin typeface="+mn-lt"/>
+                <a:ea typeface="+mn-ea"/>
+                <a:cs typeface="+mn-cs"/>
+              </a:defRPr>
+            </a:lvl4pPr>
+            <a:lvl5pPr marL="1828800" algn="l" defTabSz="914400" rtl="0" eaLnBrk="1" latinLnBrk="0" hangingPunct="1">
+              <a:defRPr sz="1800" kern="1200">
+                <a:solidFill>
+                  <a:schemeClr val="tx1"/>
+                </a:solidFill>
+                <a:latin typeface="+mn-lt"/>
+                <a:ea typeface="+mn-ea"/>
+                <a:cs typeface="+mn-cs"/>
+              </a:defRPr>
+            </a:lvl5pPr>
+            <a:lvl6pPr marL="2286000" algn="l" defTabSz="914400" rtl="0" eaLnBrk="1" latinLnBrk="0" hangingPunct="1">
+              <a:defRPr sz="1800" kern="1200">
+                <a:solidFill>
+                  <a:schemeClr val="tx1"/>
+                </a:solidFill>
+                <a:latin typeface="+mn-lt"/>
+                <a:ea typeface="+mn-ea"/>
+                <a:cs typeface="+mn-cs"/>
+              </a:defRPr>
+            </a:lvl6pPr>
+            <a:lvl7pPr marL="2743200" algn="l" defTabSz="914400" rtl="0" eaLnBrk="1" latinLnBrk="0" hangingPunct="1">
+              <a:defRPr sz="1800" kern="1200">
+                <a:solidFill>
+                  <a:schemeClr val="tx1"/>
+                </a:solidFill>
+                <a:latin typeface="+mn-lt"/>
+                <a:ea typeface="+mn-ea"/>
+                <a:cs typeface="+mn-cs"/>
+              </a:defRPr>
+            </a:lvl7pPr>
+            <a:lvl8pPr marL="3200400" algn="l" defTabSz="914400" rtl="0" eaLnBrk="1" latinLnBrk="0" hangingPunct="1">
+              <a:defRPr sz="1800" kern="1200">
+                <a:solidFill>
+                  <a:schemeClr val="tx1"/>
+                </a:solidFill>
+                <a:latin typeface="+mn-lt"/>
+                <a:ea typeface="+mn-ea"/>
+                <a:cs typeface="+mn-cs"/>
+              </a:defRPr>
+            </a:lvl8pPr>
+            <a:lvl9pPr marL="3657600" algn="l" defTabSz="914400" rtl="0" eaLnBrk="1" latinLnBrk="0" hangingPunct="1">
+              <a:defRPr sz="1800" kern="1200">
+                <a:solidFill>
+                  <a:schemeClr val="tx1"/>
+                </a:solidFill>
+                <a:latin typeface="+mn-lt"/>
+                <a:ea typeface="+mn-ea"/>
+                <a:cs typeface="+mn-cs"/>
+              </a:defRPr>
+            </a:lvl9pPr>
+          </a:lstStyle>
+          <a:p>
+            <a:r>
+              <a:rPr lang="en-CA" sz="1400" dirty="0" smtClean="0"/>
+              <a:t>9 </a:t>
+            </a:r>
+            <a:r>
+              <a:rPr lang="el-GR" sz="1400" dirty="0"/>
+              <a:t>Ω</a:t>
+            </a:r>
+            <a:endParaRPr lang="en-CA" sz="1400" dirty="0"/>
+          </a:p>
+        </p:txBody>
+      </p:sp>
+      <p:sp>
+        <p:nvSpPr>
+          <p:cNvPr id="57" name="TextBox 52"/>
+          <p:cNvSpPr txBox="1"/>
+          <p:nvPr/>
+        </p:nvSpPr>
+        <p:spPr>
+          <a:xfrm>
+            <a:off x="9899925" y="5250061"/>
+            <a:ext cx="434734" cy="307777"/>
+          </a:xfrm>
+          <a:prstGeom prst="rect">
+            <a:avLst/>
+          </a:prstGeom>
+          <a:noFill/>
+        </p:spPr>
+        <p:txBody>
+          <a:bodyPr wrap="none" rtlCol="0">
+            <a:spAutoFit/>
+          </a:bodyPr>
+          <a:lstStyle>
+            <a:defPPr>
+              <a:defRPr lang="en-US"/>
+            </a:defPPr>
+            <a:lvl1pPr marL="0" algn="l" defTabSz="914400" rtl="0" eaLnBrk="1" latinLnBrk="0" hangingPunct="1">
+              <a:defRPr sz="1800" kern="1200">
+                <a:solidFill>
+                  <a:schemeClr val="tx1"/>
+                </a:solidFill>
+                <a:latin typeface="+mn-lt"/>
+                <a:ea typeface="+mn-ea"/>
+                <a:cs typeface="+mn-cs"/>
+              </a:defRPr>
+            </a:lvl1pPr>
+            <a:lvl2pPr marL="457200" algn="l" defTabSz="914400" rtl="0" eaLnBrk="1" latinLnBrk="0" hangingPunct="1">
+              <a:defRPr sz="1800" kern="1200">
+                <a:solidFill>
+                  <a:schemeClr val="tx1"/>
+                </a:solidFill>
+                <a:latin typeface="+mn-lt"/>
+                <a:ea typeface="+mn-ea"/>
+                <a:cs typeface="+mn-cs"/>
+              </a:defRPr>
+            </a:lvl2pPr>
+            <a:lvl3pPr marL="914400" algn="l" defTabSz="914400" rtl="0" eaLnBrk="1" latinLnBrk="0" hangingPunct="1">
+              <a:defRPr sz="1800" kern="1200">
+                <a:solidFill>
+                  <a:schemeClr val="tx1"/>
+                </a:solidFill>
+                <a:latin typeface="+mn-lt"/>
+                <a:ea typeface="+mn-ea"/>
+                <a:cs typeface="+mn-cs"/>
+              </a:defRPr>
+            </a:lvl3pPr>
+            <a:lvl4pPr marL="1371600" algn="l" defTabSz="914400" rtl="0" eaLnBrk="1" latinLnBrk="0" hangingPunct="1">
+              <a:defRPr sz="1800" kern="1200">
+                <a:solidFill>
+                  <a:schemeClr val="tx1"/>
+                </a:solidFill>
+                <a:latin typeface="+mn-lt"/>
+                <a:ea typeface="+mn-ea"/>
+                <a:cs typeface="+mn-cs"/>
+              </a:defRPr>
+            </a:lvl4pPr>
+            <a:lvl5pPr marL="1828800" algn="l" defTabSz="914400" rtl="0" eaLnBrk="1" latinLnBrk="0" hangingPunct="1">
+              <a:defRPr sz="1800" kern="1200">
+                <a:solidFill>
+                  <a:schemeClr val="tx1"/>
+                </a:solidFill>
+                <a:latin typeface="+mn-lt"/>
+                <a:ea typeface="+mn-ea"/>
+                <a:cs typeface="+mn-cs"/>
+              </a:defRPr>
+            </a:lvl5pPr>
+            <a:lvl6pPr marL="2286000" algn="l" defTabSz="914400" rtl="0" eaLnBrk="1" latinLnBrk="0" hangingPunct="1">
+              <a:defRPr sz="1800" kern="1200">
+                <a:solidFill>
+                  <a:schemeClr val="tx1"/>
+                </a:solidFill>
+                <a:latin typeface="+mn-lt"/>
+                <a:ea typeface="+mn-ea"/>
+                <a:cs typeface="+mn-cs"/>
+              </a:defRPr>
+            </a:lvl6pPr>
+            <a:lvl7pPr marL="2743200" algn="l" defTabSz="914400" rtl="0" eaLnBrk="1" latinLnBrk="0" hangingPunct="1">
+              <a:defRPr sz="1800" kern="1200">
+                <a:solidFill>
+                  <a:schemeClr val="tx1"/>
+                </a:solidFill>
+                <a:latin typeface="+mn-lt"/>
+                <a:ea typeface="+mn-ea"/>
+                <a:cs typeface="+mn-cs"/>
+              </a:defRPr>
+            </a:lvl7pPr>
+            <a:lvl8pPr marL="3200400" algn="l" defTabSz="914400" rtl="0" eaLnBrk="1" latinLnBrk="0" hangingPunct="1">
+              <a:defRPr sz="1800" kern="1200">
+                <a:solidFill>
+                  <a:schemeClr val="tx1"/>
+                </a:solidFill>
+                <a:latin typeface="+mn-lt"/>
+                <a:ea typeface="+mn-ea"/>
+                <a:cs typeface="+mn-cs"/>
+              </a:defRPr>
+            </a:lvl8pPr>
+            <a:lvl9pPr marL="3657600" algn="l" defTabSz="914400" rtl="0" eaLnBrk="1" latinLnBrk="0" hangingPunct="1">
+              <a:defRPr sz="1800" kern="1200">
+                <a:solidFill>
+                  <a:schemeClr val="tx1"/>
+                </a:solidFill>
+                <a:latin typeface="+mn-lt"/>
+                <a:ea typeface="+mn-ea"/>
+                <a:cs typeface="+mn-cs"/>
+              </a:defRPr>
+            </a:lvl9pPr>
+          </a:lstStyle>
+          <a:p>
+            <a:r>
+              <a:rPr lang="en-CA" sz="1400" dirty="0" smtClean="0"/>
+              <a:t>9 </a:t>
+            </a:r>
+            <a:r>
+              <a:rPr lang="el-GR" sz="1400" dirty="0"/>
+              <a:t>Ω</a:t>
+            </a:r>
+            <a:endParaRPr lang="en-CA" sz="1400" dirty="0"/>
+          </a:p>
+        </p:txBody>
+      </p:sp>
+      <p:sp>
+        <p:nvSpPr>
+          <p:cNvPr id="60" name="TextBox 52"/>
+          <p:cNvSpPr txBox="1"/>
+          <p:nvPr/>
+        </p:nvSpPr>
+        <p:spPr>
+          <a:xfrm>
+            <a:off x="6759943" y="5047548"/>
+            <a:ext cx="418704" cy="307777"/>
+          </a:xfrm>
+          <a:prstGeom prst="rect">
+            <a:avLst/>
+          </a:prstGeom>
+          <a:noFill/>
+        </p:spPr>
+        <p:txBody>
+          <a:bodyPr wrap="none" rtlCol="0">
+            <a:spAutoFit/>
+          </a:bodyPr>
+          <a:lstStyle>
+            <a:defPPr>
+              <a:defRPr lang="en-US"/>
+            </a:defPPr>
+            <a:lvl1pPr marL="0" algn="l" defTabSz="914400" rtl="0" eaLnBrk="1" latinLnBrk="0" hangingPunct="1">
+              <a:defRPr sz="1800" kern="1200">
+                <a:solidFill>
+                  <a:schemeClr val="tx1"/>
+                </a:solidFill>
+                <a:latin typeface="+mn-lt"/>
+                <a:ea typeface="+mn-ea"/>
+                <a:cs typeface="+mn-cs"/>
+              </a:defRPr>
+            </a:lvl1pPr>
+            <a:lvl2pPr marL="457200" algn="l" defTabSz="914400" rtl="0" eaLnBrk="1" latinLnBrk="0" hangingPunct="1">
+              <a:defRPr sz="1800" kern="1200">
+                <a:solidFill>
+                  <a:schemeClr val="tx1"/>
+                </a:solidFill>
+                <a:latin typeface="+mn-lt"/>
+                <a:ea typeface="+mn-ea"/>
+                <a:cs typeface="+mn-cs"/>
+              </a:defRPr>
+            </a:lvl2pPr>
+            <a:lvl3pPr marL="914400" algn="l" defTabSz="914400" rtl="0" eaLnBrk="1" latinLnBrk="0" hangingPunct="1">
+              <a:defRPr sz="1800" kern="1200">
+                <a:solidFill>
+                  <a:schemeClr val="tx1"/>
+                </a:solidFill>
+                <a:latin typeface="+mn-lt"/>
+                <a:ea typeface="+mn-ea"/>
+                <a:cs typeface="+mn-cs"/>
+              </a:defRPr>
+            </a:lvl3pPr>
+            <a:lvl4pPr marL="1371600" algn="l" defTabSz="914400" rtl="0" eaLnBrk="1" latinLnBrk="0" hangingPunct="1">
+              <a:defRPr sz="1800" kern="1200">
+                <a:solidFill>
+                  <a:schemeClr val="tx1"/>
+                </a:solidFill>
+                <a:latin typeface="+mn-lt"/>
+                <a:ea typeface="+mn-ea"/>
+                <a:cs typeface="+mn-cs"/>
+              </a:defRPr>
+            </a:lvl4pPr>
+            <a:lvl5pPr marL="1828800" algn="l" defTabSz="914400" rtl="0" eaLnBrk="1" latinLnBrk="0" hangingPunct="1">
+              <a:defRPr sz="1800" kern="1200">
+                <a:solidFill>
+                  <a:schemeClr val="tx1"/>
+                </a:solidFill>
+                <a:latin typeface="+mn-lt"/>
+                <a:ea typeface="+mn-ea"/>
+                <a:cs typeface="+mn-cs"/>
+              </a:defRPr>
+            </a:lvl5pPr>
+            <a:lvl6pPr marL="2286000" algn="l" defTabSz="914400" rtl="0" eaLnBrk="1" latinLnBrk="0" hangingPunct="1">
+              <a:defRPr sz="1800" kern="1200">
+                <a:solidFill>
+                  <a:schemeClr val="tx1"/>
+                </a:solidFill>
+                <a:latin typeface="+mn-lt"/>
+                <a:ea typeface="+mn-ea"/>
+                <a:cs typeface="+mn-cs"/>
+              </a:defRPr>
+            </a:lvl6pPr>
+            <a:lvl7pPr marL="2743200" algn="l" defTabSz="914400" rtl="0" eaLnBrk="1" latinLnBrk="0" hangingPunct="1">
+              <a:defRPr sz="1800" kern="1200">
+                <a:solidFill>
+                  <a:schemeClr val="tx1"/>
+                </a:solidFill>
+                <a:latin typeface="+mn-lt"/>
+                <a:ea typeface="+mn-ea"/>
+                <a:cs typeface="+mn-cs"/>
+              </a:defRPr>
+            </a:lvl7pPr>
+            <a:lvl8pPr marL="3200400" algn="l" defTabSz="914400" rtl="0" eaLnBrk="1" latinLnBrk="0" hangingPunct="1">
+              <a:defRPr sz="1800" kern="1200">
+                <a:solidFill>
+                  <a:schemeClr val="tx1"/>
+                </a:solidFill>
+                <a:latin typeface="+mn-lt"/>
+                <a:ea typeface="+mn-ea"/>
+                <a:cs typeface="+mn-cs"/>
+              </a:defRPr>
+            </a:lvl8pPr>
+            <a:lvl9pPr marL="3657600" algn="l" defTabSz="914400" rtl="0" eaLnBrk="1" latinLnBrk="0" hangingPunct="1">
+              <a:defRPr sz="1800" kern="1200">
+                <a:solidFill>
+                  <a:schemeClr val="tx1"/>
+                </a:solidFill>
+                <a:latin typeface="+mn-lt"/>
+                <a:ea typeface="+mn-ea"/>
+                <a:cs typeface="+mn-cs"/>
+              </a:defRPr>
+            </a:lvl9pPr>
+          </a:lstStyle>
+          <a:p>
+            <a:r>
+              <a:rPr lang="en-CA" sz="1400" dirty="0" smtClean="0"/>
+              <a:t>3 V</a:t>
+            </a:r>
+            <a:endParaRPr lang="en-CA" sz="1400" dirty="0"/>
+          </a:p>
+        </p:txBody>
+      </p:sp>
     </p:spTree>
     <p:extLst>
       <p:ext uri="{BB962C8B-B14F-4D97-AF65-F5344CB8AC3E}">
         <p14:creationId xmlns:p14="http://schemas.microsoft.com/office/powerpoint/2010/main" val="2377648112"/>
+      </p:ext>
+    </p:extLst>
+  </p:cSld>
+  <p:clrMapOvr>
+    <a:masterClrMapping/>
+  </p:clrMapOvr>
+</p:sld>
+</file>
+
+<file path=ppt/slides/slide2.xml><?xml version="1.0" encoding="utf-8"?>
+<p:sld xmlns:a="http://schemas.openxmlformats.org/drawingml/2006/main" xmlns:r="http://schemas.openxmlformats.org/officeDocument/2006/relationships" xmlns:p="http://schemas.openxmlformats.org/presentationml/2006/main">
+  <p:cSld>
+    <p:spTree>
+      <p:nvGrpSpPr>
+        <p:cNvPr id="1" name=""/>
+        <p:cNvGrpSpPr/>
+        <p:nvPr/>
+      </p:nvGrpSpPr>
+      <p:grpSpPr>
+        <a:xfrm>
+          <a:off x="0" y="0"/>
+          <a:ext cx="0" cy="0"/>
+          <a:chOff x="0" y="0"/>
+          <a:chExt cx="0" cy="0"/>
+        </a:xfrm>
+      </p:grpSpPr>
+      <p:sp>
+        <p:nvSpPr>
+          <p:cNvPr id="2" name="Title 1"/>
+          <p:cNvSpPr>
+            <a:spLocks noGrp="1"/>
+          </p:cNvSpPr>
+          <p:nvPr>
+            <p:ph type="title"/>
+          </p:nvPr>
+        </p:nvSpPr>
+        <p:spPr/>
+        <p:txBody>
+          <a:bodyPr/>
+          <a:lstStyle/>
+          <a:p>
+            <a:r>
+              <a:rPr lang="en-CA" dirty="0" smtClean="0"/>
+              <a:t>Series Circuit – Equivalent Resistance</a:t>
+            </a:r>
+            <a:endParaRPr lang="en-US" dirty="0"/>
+          </a:p>
+        </p:txBody>
+      </p:sp>
+      <p:sp>
+        <p:nvSpPr>
+          <p:cNvPr id="3" name="Content Placeholder 2"/>
+          <p:cNvSpPr>
+            <a:spLocks noGrp="1"/>
+          </p:cNvSpPr>
+          <p:nvPr>
+            <p:ph idx="1"/>
+          </p:nvPr>
+        </p:nvSpPr>
+        <p:spPr/>
+        <p:txBody>
+          <a:bodyPr/>
+          <a:lstStyle/>
+          <a:p>
+            <a:r>
+              <a:rPr lang="en-CA" dirty="0" smtClean="0"/>
+              <a:t>Find the Equivalent Resistance of the following circuit</a:t>
+            </a:r>
+            <a:r>
+              <a:rPr lang="en-US" dirty="0" smtClean="0"/>
+              <a:t/>
+            </a:r>
+            <a:br>
+              <a:rPr lang="en-US" dirty="0" smtClean="0"/>
+            </a:br>
+            <a:r>
+              <a:rPr lang="en-US" dirty="0" smtClean="0"/>
+              <a:t>(use: </a:t>
+            </a:r>
+            <a:r>
+              <a:rPr lang="en-US" dirty="0" err="1" smtClean="0"/>
+              <a:t>R</a:t>
+            </a:r>
+            <a:r>
+              <a:rPr lang="en-US" baseline="-25000" dirty="0" err="1" smtClean="0"/>
+              <a:t>eq</a:t>
+            </a:r>
+            <a:r>
+              <a:rPr lang="en-US" dirty="0" smtClean="0"/>
+              <a:t> = R</a:t>
+            </a:r>
+            <a:r>
+              <a:rPr lang="en-US" baseline="-25000" dirty="0" smtClean="0"/>
+              <a:t>1</a:t>
+            </a:r>
+            <a:r>
+              <a:rPr lang="en-US" dirty="0" smtClean="0"/>
+              <a:t> + R</a:t>
+            </a:r>
+            <a:r>
+              <a:rPr lang="en-US" baseline="-25000" dirty="0" smtClean="0"/>
+              <a:t>2</a:t>
+            </a:r>
+            <a:r>
+              <a:rPr lang="en-US" dirty="0" smtClean="0"/>
+              <a:t> + R</a:t>
+            </a:r>
+            <a:r>
+              <a:rPr lang="en-US" baseline="-25000" dirty="0" smtClean="0"/>
+              <a:t>3</a:t>
+            </a:r>
+            <a:r>
+              <a:rPr lang="en-US" dirty="0" smtClean="0"/>
+              <a:t>)</a:t>
+            </a:r>
+            <a:endParaRPr lang="en-CA" dirty="0" smtClean="0"/>
+          </a:p>
+        </p:txBody>
+      </p:sp>
+      <p:pic>
+        <p:nvPicPr>
+          <p:cNvPr id="17" name="Picture 16"/>
+          <p:cNvPicPr>
+            <a:picLocks noChangeAspect="1"/>
+          </p:cNvPicPr>
+          <p:nvPr/>
+        </p:nvPicPr>
+        <p:blipFill>
+          <a:blip r:embed="rId2"/>
+          <a:stretch>
+            <a:fillRect/>
+          </a:stretch>
+        </p:blipFill>
+        <p:spPr>
+          <a:xfrm>
+            <a:off x="1643062" y="3550210"/>
+            <a:ext cx="5334693" cy="2761690"/>
+          </a:xfrm>
+          <a:prstGeom prst="rect">
+            <a:avLst/>
+          </a:prstGeom>
+        </p:spPr>
+      </p:pic>
+    </p:spTree>
+    <p:extLst>
+      <p:ext uri="{BB962C8B-B14F-4D97-AF65-F5344CB8AC3E}">
+        <p14:creationId xmlns:p14="http://schemas.microsoft.com/office/powerpoint/2010/main" val="3420781368"/>
+      </p:ext>
+    </p:extLst>
+  </p:cSld>
+  <p:clrMapOvr>
+    <a:masterClrMapping/>
+  </p:clrMapOvr>
+</p:sld>
+</file>
+
+<file path=ppt/slides/slide3.xml><?xml version="1.0" encoding="utf-8"?>
+<p:sld xmlns:a="http://schemas.openxmlformats.org/drawingml/2006/main" xmlns:r="http://schemas.openxmlformats.org/officeDocument/2006/relationships" xmlns:p="http://schemas.openxmlformats.org/presentationml/2006/main">
+  <p:cSld>
+    <p:spTree>
+      <p:nvGrpSpPr>
+        <p:cNvPr id="1" name=""/>
+        <p:cNvGrpSpPr/>
+        <p:nvPr/>
+      </p:nvGrpSpPr>
+      <p:grpSpPr>
+        <a:xfrm>
+          <a:off x="0" y="0"/>
+          <a:ext cx="0" cy="0"/>
+          <a:chOff x="0" y="0"/>
+          <a:chExt cx="0" cy="0"/>
+        </a:xfrm>
+      </p:grpSpPr>
+      <p:sp>
+        <p:nvSpPr>
+          <p:cNvPr id="2" name="Title 1"/>
+          <p:cNvSpPr>
+            <a:spLocks noGrp="1"/>
+          </p:cNvSpPr>
+          <p:nvPr>
+            <p:ph type="title"/>
+          </p:nvPr>
+        </p:nvSpPr>
+        <p:spPr/>
+        <p:txBody>
+          <a:bodyPr/>
+          <a:lstStyle/>
+          <a:p>
+            <a:r>
+              <a:rPr lang="en-CA" dirty="0" smtClean="0"/>
+              <a:t>Series Circuit – Equivalent Resistance</a:t>
+            </a:r>
+            <a:endParaRPr lang="en-US" dirty="0"/>
+          </a:p>
+        </p:txBody>
+      </p:sp>
+      <p:sp>
+        <p:nvSpPr>
+          <p:cNvPr id="3" name="Content Placeholder 2"/>
+          <p:cNvSpPr>
+            <a:spLocks noGrp="1"/>
+          </p:cNvSpPr>
+          <p:nvPr>
+            <p:ph idx="1"/>
+          </p:nvPr>
+        </p:nvSpPr>
+        <p:spPr/>
+        <p:txBody>
+          <a:bodyPr/>
+          <a:lstStyle/>
+          <a:p>
+            <a:r>
+              <a:rPr lang="en-CA" dirty="0" smtClean="0"/>
+              <a:t>Use the Equivalent Resistance to find the following:</a:t>
+            </a:r>
+          </a:p>
+          <a:p>
+            <a:pPr marL="914400" lvl="1" indent="-457200">
+              <a:buFont typeface="+mj-lt"/>
+              <a:buAutoNum type="alphaLcParenR"/>
+            </a:pPr>
+            <a:r>
+              <a:rPr lang="en-CA" dirty="0" smtClean="0"/>
+              <a:t>Battery Current (use: I = V/R)</a:t>
+            </a:r>
+          </a:p>
+          <a:p>
+            <a:pPr marL="914400" lvl="1" indent="-457200">
+              <a:buFont typeface="+mj-lt"/>
+              <a:buAutoNum type="alphaLcParenR"/>
+            </a:pPr>
+            <a:r>
+              <a:rPr lang="en-CA" dirty="0" smtClean="0"/>
+              <a:t>Voltage drop across each resistor (use: V = IR)</a:t>
+            </a:r>
+            <a:endParaRPr lang="en-US" dirty="0"/>
+          </a:p>
+        </p:txBody>
+      </p:sp>
+      <p:pic>
+        <p:nvPicPr>
+          <p:cNvPr id="17" name="Picture 16"/>
+          <p:cNvPicPr>
+            <a:picLocks noChangeAspect="1"/>
+          </p:cNvPicPr>
+          <p:nvPr/>
+        </p:nvPicPr>
+        <p:blipFill>
+          <a:blip r:embed="rId2"/>
+          <a:stretch>
+            <a:fillRect/>
+          </a:stretch>
+        </p:blipFill>
+        <p:spPr>
+          <a:xfrm>
+            <a:off x="1643062" y="3550210"/>
+            <a:ext cx="5334693" cy="2761690"/>
+          </a:xfrm>
+          <a:prstGeom prst="rect">
+            <a:avLst/>
+          </a:prstGeom>
+        </p:spPr>
+      </p:pic>
+    </p:spTree>
+    <p:extLst>
+      <p:ext uri="{BB962C8B-B14F-4D97-AF65-F5344CB8AC3E}">
+        <p14:creationId xmlns:p14="http://schemas.microsoft.com/office/powerpoint/2010/main" val="2793505261"/>
+      </p:ext>
+    </p:extLst>
+  </p:cSld>
+  <p:clrMapOvr>
+    <a:masterClrMapping/>
+  </p:clrMapOvr>
+</p:sld>
+</file>
+
+<file path=ppt/slides/slide4.xml><?xml version="1.0" encoding="utf-8"?>
+<p:sld xmlns:a="http://schemas.openxmlformats.org/drawingml/2006/main" xmlns:r="http://schemas.openxmlformats.org/officeDocument/2006/relationships" xmlns:p="http://schemas.openxmlformats.org/presentationml/2006/main">
+  <p:cSld>
+    <p:spTree>
+      <p:nvGrpSpPr>
+        <p:cNvPr id="1" name=""/>
+        <p:cNvGrpSpPr/>
+        <p:nvPr/>
+      </p:nvGrpSpPr>
+      <p:grpSpPr>
+        <a:xfrm>
+          <a:off x="0" y="0"/>
+          <a:ext cx="0" cy="0"/>
+          <a:chOff x="0" y="0"/>
+          <a:chExt cx="0" cy="0"/>
+        </a:xfrm>
+      </p:grpSpPr>
+      <p:sp>
+        <p:nvSpPr>
+          <p:cNvPr id="2" name="Title 1"/>
+          <p:cNvSpPr>
+            <a:spLocks noGrp="1"/>
+          </p:cNvSpPr>
+          <p:nvPr>
+            <p:ph type="title"/>
+          </p:nvPr>
+        </p:nvSpPr>
+        <p:spPr/>
+        <p:txBody>
+          <a:bodyPr/>
+          <a:lstStyle/>
+          <a:p>
+            <a:r>
+              <a:rPr lang="en-CA" dirty="0" smtClean="0"/>
+              <a:t>Parallel Circuit – Equivalent Resistance</a:t>
+            </a:r>
+            <a:endParaRPr lang="en-US" dirty="0"/>
+          </a:p>
+        </p:txBody>
+      </p:sp>
+      <p:sp>
+        <p:nvSpPr>
+          <p:cNvPr id="3" name="Content Placeholder 2"/>
+          <p:cNvSpPr>
+            <a:spLocks noGrp="1"/>
+          </p:cNvSpPr>
+          <p:nvPr>
+            <p:ph idx="1"/>
+          </p:nvPr>
+        </p:nvSpPr>
+        <p:spPr/>
+        <p:txBody>
+          <a:bodyPr/>
+          <a:lstStyle/>
+          <a:p>
+            <a:r>
+              <a:rPr lang="en-CA" dirty="0" smtClean="0"/>
+              <a:t>Find the Equivalent Resistance of the following circuit</a:t>
+            </a:r>
+            <a:r>
+              <a:rPr lang="en-US" dirty="0" smtClean="0"/>
+              <a:t/>
+            </a:r>
+            <a:br>
+              <a:rPr lang="en-US" dirty="0" smtClean="0"/>
+            </a:br>
+            <a:r>
+              <a:rPr lang="en-US" dirty="0" smtClean="0"/>
+              <a:t>(use: 1/</a:t>
+            </a:r>
+            <a:r>
+              <a:rPr lang="en-US" dirty="0" err="1" smtClean="0"/>
+              <a:t>R</a:t>
+            </a:r>
+            <a:r>
+              <a:rPr lang="en-US" baseline="-25000" dirty="0" err="1" smtClean="0"/>
+              <a:t>eq</a:t>
+            </a:r>
+            <a:r>
+              <a:rPr lang="en-US" dirty="0" smtClean="0"/>
+              <a:t> = 1/R</a:t>
+            </a:r>
+            <a:r>
+              <a:rPr lang="en-US" baseline="-25000" dirty="0" smtClean="0"/>
+              <a:t>1</a:t>
+            </a:r>
+            <a:r>
+              <a:rPr lang="en-US" dirty="0" smtClean="0"/>
+              <a:t> + 1/R</a:t>
+            </a:r>
+            <a:r>
+              <a:rPr lang="en-US" baseline="-25000" dirty="0" smtClean="0"/>
+              <a:t>2</a:t>
+            </a:r>
+            <a:r>
+              <a:rPr lang="en-US" dirty="0" smtClean="0"/>
+              <a:t> + 1/R</a:t>
+            </a:r>
+            <a:r>
+              <a:rPr lang="en-US" baseline="-25000" dirty="0" smtClean="0"/>
+              <a:t>3</a:t>
+            </a:r>
+            <a:r>
+              <a:rPr lang="en-US" dirty="0" smtClean="0"/>
+              <a:t>)</a:t>
+            </a:r>
+            <a:endParaRPr lang="en-CA" dirty="0" smtClean="0"/>
+          </a:p>
+        </p:txBody>
+      </p:sp>
+      <p:pic>
+        <p:nvPicPr>
+          <p:cNvPr id="4" name="Picture 3"/>
+          <p:cNvPicPr>
+            <a:picLocks noChangeAspect="1"/>
+          </p:cNvPicPr>
+          <p:nvPr/>
+        </p:nvPicPr>
+        <p:blipFill>
+          <a:blip r:embed="rId2"/>
+          <a:stretch>
+            <a:fillRect/>
+          </a:stretch>
+        </p:blipFill>
+        <p:spPr>
+          <a:xfrm>
+            <a:off x="1731309" y="3472422"/>
+            <a:ext cx="5154964" cy="2704541"/>
+          </a:xfrm>
+          <a:prstGeom prst="rect">
+            <a:avLst/>
+          </a:prstGeom>
+        </p:spPr>
+      </p:pic>
+    </p:spTree>
+    <p:extLst>
+      <p:ext uri="{BB962C8B-B14F-4D97-AF65-F5344CB8AC3E}">
+        <p14:creationId xmlns:p14="http://schemas.microsoft.com/office/powerpoint/2010/main" val="2089993920"/>
+      </p:ext>
+    </p:extLst>
+  </p:cSld>
+  <p:clrMapOvr>
+    <a:masterClrMapping/>
+  </p:clrMapOvr>
+</p:sld>
+</file>
+
+<file path=ppt/slides/slide5.xml><?xml version="1.0" encoding="utf-8"?>
+<p:sld xmlns:a="http://schemas.openxmlformats.org/drawingml/2006/main" xmlns:r="http://schemas.openxmlformats.org/officeDocument/2006/relationships" xmlns:p="http://schemas.openxmlformats.org/presentationml/2006/main">
+  <p:cSld>
+    <p:spTree>
+      <p:nvGrpSpPr>
+        <p:cNvPr id="1" name=""/>
+        <p:cNvGrpSpPr/>
+        <p:nvPr/>
+      </p:nvGrpSpPr>
+      <p:grpSpPr>
+        <a:xfrm>
+          <a:off x="0" y="0"/>
+          <a:ext cx="0" cy="0"/>
+          <a:chOff x="0" y="0"/>
+          <a:chExt cx="0" cy="0"/>
+        </a:xfrm>
+      </p:grpSpPr>
+      <p:sp>
+        <p:nvSpPr>
+          <p:cNvPr id="2" name="Title 1"/>
+          <p:cNvSpPr>
+            <a:spLocks noGrp="1"/>
+          </p:cNvSpPr>
+          <p:nvPr>
+            <p:ph type="title"/>
+          </p:nvPr>
+        </p:nvSpPr>
+        <p:spPr/>
+        <p:txBody>
+          <a:bodyPr/>
+          <a:lstStyle/>
+          <a:p>
+            <a:r>
+              <a:rPr lang="en-CA" dirty="0" smtClean="0"/>
+              <a:t>Parallel Circuit – Equivalent Resistance</a:t>
+            </a:r>
+            <a:endParaRPr lang="en-US" dirty="0"/>
+          </a:p>
+        </p:txBody>
+      </p:sp>
+      <p:sp>
+        <p:nvSpPr>
+          <p:cNvPr id="3" name="Content Placeholder 2"/>
+          <p:cNvSpPr>
+            <a:spLocks noGrp="1"/>
+          </p:cNvSpPr>
+          <p:nvPr>
+            <p:ph idx="1"/>
+          </p:nvPr>
+        </p:nvSpPr>
+        <p:spPr/>
+        <p:txBody>
+          <a:bodyPr/>
+          <a:lstStyle/>
+          <a:p>
+            <a:r>
+              <a:rPr lang="en-CA" dirty="0" smtClean="0"/>
+              <a:t>Use the Equivalent Resistance to find the following:</a:t>
+            </a:r>
+          </a:p>
+          <a:p>
+            <a:pPr marL="914400" lvl="1" indent="-457200">
+              <a:buFont typeface="+mj-lt"/>
+              <a:buAutoNum type="alphaLcParenR"/>
+            </a:pPr>
+            <a:r>
+              <a:rPr lang="en-CA" dirty="0" smtClean="0"/>
+              <a:t>Battery Current (use: I = V/R)</a:t>
+            </a:r>
+          </a:p>
+          <a:p>
+            <a:pPr marL="914400" lvl="1" indent="-457200">
+              <a:buFont typeface="+mj-lt"/>
+              <a:buAutoNum type="alphaLcParenR"/>
+            </a:pPr>
+            <a:r>
+              <a:rPr lang="en-CA" dirty="0" smtClean="0"/>
+              <a:t>Voltage drop across each resistor (use: V = IR)</a:t>
+            </a:r>
+            <a:endParaRPr lang="en-US" dirty="0"/>
+          </a:p>
+        </p:txBody>
+      </p:sp>
+      <p:pic>
+        <p:nvPicPr>
+          <p:cNvPr id="5" name="Picture 4"/>
+          <p:cNvPicPr>
+            <a:picLocks noChangeAspect="1"/>
+          </p:cNvPicPr>
+          <p:nvPr/>
+        </p:nvPicPr>
+        <p:blipFill>
+          <a:blip r:embed="rId2"/>
+          <a:stretch>
+            <a:fillRect/>
+          </a:stretch>
+        </p:blipFill>
+        <p:spPr>
+          <a:xfrm>
+            <a:off x="1731309" y="3472422"/>
+            <a:ext cx="5154964" cy="2704541"/>
+          </a:xfrm>
+          <a:prstGeom prst="rect">
+            <a:avLst/>
+          </a:prstGeom>
+        </p:spPr>
+      </p:pic>
+    </p:spTree>
+    <p:extLst>
+      <p:ext uri="{BB962C8B-B14F-4D97-AF65-F5344CB8AC3E}">
+        <p14:creationId xmlns:p14="http://schemas.microsoft.com/office/powerpoint/2010/main" val="2710341118"/>
+      </p:ext>
+    </p:extLst>
+  </p:cSld>
+  <p:clrMapOvr>
+    <a:masterClrMapping/>
+  </p:clrMapOvr>
+</p:sld>
+</file>
+
+<file path=ppt/slides/slide6.xml><?xml version="1.0" encoding="utf-8"?>
+<p:sld xmlns:a="http://schemas.openxmlformats.org/drawingml/2006/main" xmlns:r="http://schemas.openxmlformats.org/officeDocument/2006/relationships" xmlns:p="http://schemas.openxmlformats.org/presentationml/2006/main">
+  <p:cSld>
+    <p:spTree>
+      <p:nvGrpSpPr>
+        <p:cNvPr id="1" name=""/>
+        <p:cNvGrpSpPr/>
+        <p:nvPr/>
+      </p:nvGrpSpPr>
+      <p:grpSpPr>
+        <a:xfrm>
+          <a:off x="0" y="0"/>
+          <a:ext cx="0" cy="0"/>
+          <a:chOff x="0" y="0"/>
+          <a:chExt cx="0" cy="0"/>
+        </a:xfrm>
+      </p:grpSpPr>
+      <p:sp>
+        <p:nvSpPr>
+          <p:cNvPr id="2" name="Title 1"/>
+          <p:cNvSpPr>
+            <a:spLocks noGrp="1"/>
+          </p:cNvSpPr>
+          <p:nvPr>
+            <p:ph type="title"/>
+          </p:nvPr>
+        </p:nvSpPr>
+        <p:spPr/>
+        <p:txBody>
+          <a:bodyPr/>
+          <a:lstStyle/>
+          <a:p>
+            <a:r>
+              <a:rPr lang="en-CA" dirty="0" smtClean="0"/>
+              <a:t>Mixed Circuits – Equivalent Resistance</a:t>
+            </a:r>
+            <a:endParaRPr lang="en-US" dirty="0"/>
+          </a:p>
+        </p:txBody>
+      </p:sp>
+      <p:sp>
+        <p:nvSpPr>
+          <p:cNvPr id="3" name="Content Placeholder 2"/>
+          <p:cNvSpPr>
+            <a:spLocks noGrp="1"/>
+          </p:cNvSpPr>
+          <p:nvPr>
+            <p:ph idx="1"/>
+          </p:nvPr>
+        </p:nvSpPr>
+        <p:spPr/>
+        <p:txBody>
+          <a:bodyPr/>
+          <a:lstStyle/>
+          <a:p>
+            <a:r>
+              <a:rPr lang="en-CA" dirty="0" smtClean="0"/>
+              <a:t>Solve the following Mixed Circuit </a:t>
+            </a:r>
+          </a:p>
+          <a:p>
+            <a:pPr lvl="1"/>
+            <a:r>
+              <a:rPr lang="en-CA" dirty="0" smtClean="0"/>
+              <a:t>Solve Means: Find V, I, and R for each resistor</a:t>
+            </a:r>
+            <a:endParaRPr lang="en-US" dirty="0"/>
+          </a:p>
+        </p:txBody>
+      </p:sp>
+      <p:pic>
+        <p:nvPicPr>
+          <p:cNvPr id="4" name="Picture 3"/>
+          <p:cNvPicPr>
+            <a:picLocks noChangeAspect="1"/>
+          </p:cNvPicPr>
+          <p:nvPr/>
+        </p:nvPicPr>
+        <p:blipFill>
+          <a:blip r:embed="rId2"/>
+          <a:stretch>
+            <a:fillRect/>
+          </a:stretch>
+        </p:blipFill>
+        <p:spPr>
+          <a:xfrm>
+            <a:off x="1222281" y="3405981"/>
+            <a:ext cx="5242394" cy="2510725"/>
+          </a:xfrm>
+          <a:prstGeom prst="rect">
+            <a:avLst/>
+          </a:prstGeom>
+        </p:spPr>
+      </p:pic>
+    </p:spTree>
+    <p:extLst>
+      <p:ext uri="{BB962C8B-B14F-4D97-AF65-F5344CB8AC3E}">
+        <p14:creationId xmlns:p14="http://schemas.microsoft.com/office/powerpoint/2010/main" val="1193072022"/>
+      </p:ext>
+    </p:extLst>
+  </p:cSld>
+  <p:clrMapOvr>
+    <a:masterClrMapping/>
+  </p:clrMapOvr>
+</p:sld>
+</file>
+
+<file path=ppt/slides/slide7.xml><?xml version="1.0" encoding="utf-8"?>
+<p:sld xmlns:a="http://schemas.openxmlformats.org/drawingml/2006/main" xmlns:r="http://schemas.openxmlformats.org/officeDocument/2006/relationships" xmlns:p="http://schemas.openxmlformats.org/presentationml/2006/main">
+  <p:cSld>
+    <p:spTree>
+      <p:nvGrpSpPr>
+        <p:cNvPr id="1" name=""/>
+        <p:cNvGrpSpPr/>
+        <p:nvPr/>
+      </p:nvGrpSpPr>
+      <p:grpSpPr>
+        <a:xfrm>
+          <a:off x="0" y="0"/>
+          <a:ext cx="0" cy="0"/>
+          <a:chOff x="0" y="0"/>
+          <a:chExt cx="0" cy="0"/>
+        </a:xfrm>
+      </p:grpSpPr>
+      <p:sp>
+        <p:nvSpPr>
+          <p:cNvPr id="2" name="Title 1"/>
+          <p:cNvSpPr>
+            <a:spLocks noGrp="1"/>
+          </p:cNvSpPr>
+          <p:nvPr>
+            <p:ph type="title"/>
+          </p:nvPr>
+        </p:nvSpPr>
+        <p:spPr/>
+        <p:txBody>
+          <a:bodyPr/>
+          <a:lstStyle/>
+          <a:p>
+            <a:r>
+              <a:rPr lang="en-CA" dirty="0" smtClean="0"/>
+              <a:t>Mixed Circuits – Equivalent Resistance</a:t>
+            </a:r>
+            <a:endParaRPr lang="en-US" dirty="0"/>
+          </a:p>
+        </p:txBody>
+      </p:sp>
+      <p:sp>
+        <p:nvSpPr>
+          <p:cNvPr id="3" name="Content Placeholder 2"/>
+          <p:cNvSpPr>
+            <a:spLocks noGrp="1"/>
+          </p:cNvSpPr>
+          <p:nvPr>
+            <p:ph idx="1"/>
+          </p:nvPr>
+        </p:nvSpPr>
+        <p:spPr/>
+        <p:txBody>
+          <a:bodyPr/>
+          <a:lstStyle/>
+          <a:p>
+            <a:r>
+              <a:rPr lang="en-CA" dirty="0" smtClean="0"/>
+              <a:t>Hint: How is the mixed circuit </a:t>
+            </a:r>
+            <a:r>
+              <a:rPr lang="en-CA" b="1" i="1" dirty="0" smtClean="0"/>
+              <a:t>Equivalent</a:t>
+            </a:r>
+            <a:r>
+              <a:rPr lang="en-CA" dirty="0" smtClean="0"/>
+              <a:t> to the series circuit?</a:t>
+            </a:r>
+          </a:p>
+        </p:txBody>
+      </p:sp>
+      <p:pic>
+        <p:nvPicPr>
+          <p:cNvPr id="4" name="Picture 3"/>
+          <p:cNvPicPr>
+            <a:picLocks noChangeAspect="1"/>
+          </p:cNvPicPr>
+          <p:nvPr/>
+        </p:nvPicPr>
+        <p:blipFill>
+          <a:blip r:embed="rId2"/>
+          <a:stretch>
+            <a:fillRect/>
+          </a:stretch>
+        </p:blipFill>
+        <p:spPr>
+          <a:xfrm>
+            <a:off x="1222281" y="3405981"/>
+            <a:ext cx="5242394" cy="2510725"/>
+          </a:xfrm>
+          <a:prstGeom prst="rect">
+            <a:avLst/>
+          </a:prstGeom>
+        </p:spPr>
+      </p:pic>
+      <p:pic>
+        <p:nvPicPr>
+          <p:cNvPr id="5" name="Picture 4"/>
+          <p:cNvPicPr>
+            <a:picLocks noChangeAspect="1"/>
+          </p:cNvPicPr>
+          <p:nvPr/>
+        </p:nvPicPr>
+        <p:blipFill>
+          <a:blip r:embed="rId3"/>
+          <a:stretch>
+            <a:fillRect/>
+          </a:stretch>
+        </p:blipFill>
+        <p:spPr>
+          <a:xfrm>
+            <a:off x="7302567" y="2837329"/>
+            <a:ext cx="3179096" cy="1645770"/>
+          </a:xfrm>
+          <a:prstGeom prst="rect">
+            <a:avLst/>
+          </a:prstGeom>
+        </p:spPr>
+      </p:pic>
+    </p:spTree>
+    <p:extLst>
+      <p:ext uri="{BB962C8B-B14F-4D97-AF65-F5344CB8AC3E}">
+        <p14:creationId xmlns:p14="http://schemas.microsoft.com/office/powerpoint/2010/main" val="20412047"/>
+      </p:ext>
+    </p:extLst>
+  </p:cSld>
+  <p:clrMapOvr>
+    <a:masterClrMapping/>
+  </p:clrMapOvr>
+</p:sld>
+</file>
+
+<file path=ppt/slides/slide8.xml><?xml version="1.0" encoding="utf-8"?>
+<p:sld xmlns:a="http://schemas.openxmlformats.org/drawingml/2006/main" xmlns:r="http://schemas.openxmlformats.org/officeDocument/2006/relationships" xmlns:p="http://schemas.openxmlformats.org/presentationml/2006/main">
+  <p:cSld>
+    <p:spTree>
+      <p:nvGrpSpPr>
+        <p:cNvPr id="1" name=""/>
+        <p:cNvGrpSpPr/>
+        <p:nvPr/>
+      </p:nvGrpSpPr>
+      <p:grpSpPr>
+        <a:xfrm>
+          <a:off x="0" y="0"/>
+          <a:ext cx="0" cy="0"/>
+          <a:chOff x="0" y="0"/>
+          <a:chExt cx="0" cy="0"/>
+        </a:xfrm>
+      </p:grpSpPr>
+      <p:sp>
+        <p:nvSpPr>
+          <p:cNvPr id="2" name="Title 1"/>
+          <p:cNvSpPr>
+            <a:spLocks noGrp="1"/>
+          </p:cNvSpPr>
+          <p:nvPr>
+            <p:ph type="title"/>
+          </p:nvPr>
+        </p:nvSpPr>
+        <p:spPr/>
+        <p:txBody>
+          <a:bodyPr/>
+          <a:lstStyle/>
+          <a:p>
+            <a:r>
+              <a:rPr lang="en-CA" dirty="0" smtClean="0"/>
+              <a:t>Mixed Circuits – Equivalent Resistance</a:t>
+            </a:r>
+            <a:endParaRPr lang="en-US" dirty="0"/>
+          </a:p>
+        </p:txBody>
+      </p:sp>
+      <p:sp>
+        <p:nvSpPr>
+          <p:cNvPr id="3" name="Content Placeholder 2"/>
+          <p:cNvSpPr>
+            <a:spLocks noGrp="1"/>
+          </p:cNvSpPr>
+          <p:nvPr>
+            <p:ph idx="1"/>
+          </p:nvPr>
+        </p:nvSpPr>
+        <p:spPr/>
+        <p:txBody>
+          <a:bodyPr/>
+          <a:lstStyle/>
+          <a:p>
+            <a:r>
+              <a:rPr lang="en-CA" dirty="0" smtClean="0"/>
+              <a:t>2</a:t>
+            </a:r>
+            <a:r>
+              <a:rPr lang="en-CA" baseline="30000" dirty="0" smtClean="0"/>
+              <a:t>nd</a:t>
+            </a:r>
+            <a:r>
+              <a:rPr lang="en-CA" dirty="0" smtClean="0"/>
+              <a:t> Hint: How is the mixed circuit </a:t>
+            </a:r>
+            <a:r>
+              <a:rPr lang="en-CA" b="1" i="1" dirty="0" smtClean="0"/>
+              <a:t>Equivalent</a:t>
+            </a:r>
+            <a:r>
+              <a:rPr lang="en-CA" dirty="0" smtClean="0"/>
+              <a:t> to the series circuit?</a:t>
+            </a:r>
+          </a:p>
+        </p:txBody>
+      </p:sp>
+      <p:pic>
+        <p:nvPicPr>
+          <p:cNvPr id="4" name="Picture 3"/>
+          <p:cNvPicPr>
+            <a:picLocks noChangeAspect="1"/>
+          </p:cNvPicPr>
+          <p:nvPr/>
+        </p:nvPicPr>
+        <p:blipFill>
+          <a:blip r:embed="rId2"/>
+          <a:stretch>
+            <a:fillRect/>
+          </a:stretch>
+        </p:blipFill>
+        <p:spPr>
+          <a:xfrm>
+            <a:off x="1222281" y="3405981"/>
+            <a:ext cx="5242394" cy="2510725"/>
+          </a:xfrm>
+          <a:prstGeom prst="rect">
+            <a:avLst/>
+          </a:prstGeom>
+        </p:spPr>
+      </p:pic>
+      <p:pic>
+        <p:nvPicPr>
+          <p:cNvPr id="5" name="Picture 4"/>
+          <p:cNvPicPr>
+            <a:picLocks noChangeAspect="1"/>
+          </p:cNvPicPr>
+          <p:nvPr/>
+        </p:nvPicPr>
+        <p:blipFill>
+          <a:blip r:embed="rId3"/>
+          <a:stretch>
+            <a:fillRect/>
+          </a:stretch>
+        </p:blipFill>
+        <p:spPr>
+          <a:xfrm>
+            <a:off x="7302567" y="2837329"/>
+            <a:ext cx="3179096" cy="1645770"/>
+          </a:xfrm>
+          <a:prstGeom prst="rect">
+            <a:avLst/>
+          </a:prstGeom>
+        </p:spPr>
+      </p:pic>
+      <p:pic>
+        <p:nvPicPr>
+          <p:cNvPr id="6" name="Picture 5"/>
+          <p:cNvPicPr>
+            <a:picLocks noChangeAspect="1"/>
+          </p:cNvPicPr>
+          <p:nvPr/>
+        </p:nvPicPr>
+        <p:blipFill>
+          <a:blip r:embed="rId4"/>
+          <a:stretch>
+            <a:fillRect/>
+          </a:stretch>
+        </p:blipFill>
+        <p:spPr>
+          <a:xfrm>
+            <a:off x="7425963" y="4596092"/>
+            <a:ext cx="3270398" cy="1715808"/>
+          </a:xfrm>
+          <a:prstGeom prst="rect">
+            <a:avLst/>
+          </a:prstGeom>
+        </p:spPr>
+      </p:pic>
+    </p:spTree>
+    <p:extLst>
+      <p:ext uri="{BB962C8B-B14F-4D97-AF65-F5344CB8AC3E}">
+        <p14:creationId xmlns:p14="http://schemas.microsoft.com/office/powerpoint/2010/main" val="1893475538"/>
+      </p:ext>
+    </p:extLst>
+  </p:cSld>
+  <p:clrMapOvr>
+    <a:masterClrMapping/>
+  </p:clrMapOvr>
+</p:sld>
+</file>
+
+<file path=ppt/slides/slide9.xml><?xml version="1.0" encoding="utf-8"?>
+<p:sld xmlns:a="http://schemas.openxmlformats.org/drawingml/2006/main" xmlns:r="http://schemas.openxmlformats.org/officeDocument/2006/relationships" xmlns:p="http://schemas.openxmlformats.org/presentationml/2006/main">
+  <p:cSld>
+    <p:spTree>
+      <p:nvGrpSpPr>
+        <p:cNvPr id="1" name=""/>
+        <p:cNvGrpSpPr/>
+        <p:nvPr/>
+      </p:nvGrpSpPr>
+      <p:grpSpPr>
+        <a:xfrm>
+          <a:off x="0" y="0"/>
+          <a:ext cx="0" cy="0"/>
+          <a:chOff x="0" y="0"/>
+          <a:chExt cx="0" cy="0"/>
+        </a:xfrm>
+      </p:grpSpPr>
+      <p:sp>
+        <p:nvSpPr>
+          <p:cNvPr id="2" name="Title 1"/>
+          <p:cNvSpPr>
+            <a:spLocks noGrp="1"/>
+          </p:cNvSpPr>
+          <p:nvPr>
+            <p:ph type="title"/>
+          </p:nvPr>
+        </p:nvSpPr>
+        <p:spPr/>
+        <p:txBody>
+          <a:bodyPr/>
+          <a:lstStyle/>
+          <a:p>
+            <a:r>
+              <a:rPr lang="en-CA" dirty="0" smtClean="0"/>
+              <a:t>Mixed Circuits – Equivalent Resistance</a:t>
+            </a:r>
+            <a:endParaRPr lang="en-US" dirty="0"/>
+          </a:p>
+        </p:txBody>
+      </p:sp>
+      <p:sp>
+        <p:nvSpPr>
+          <p:cNvPr id="3" name="Content Placeholder 2"/>
+          <p:cNvSpPr>
+            <a:spLocks noGrp="1"/>
+          </p:cNvSpPr>
+          <p:nvPr>
+            <p:ph idx="1"/>
+          </p:nvPr>
+        </p:nvSpPr>
+        <p:spPr/>
+        <p:txBody>
+          <a:bodyPr/>
+          <a:lstStyle/>
+          <a:p>
+            <a:r>
+              <a:rPr lang="en-CA" dirty="0" smtClean="0"/>
+              <a:t>Solve the following Mixed Circuit </a:t>
+            </a:r>
+          </a:p>
+          <a:p>
+            <a:pPr lvl="1"/>
+            <a:r>
+              <a:rPr lang="en-CA" dirty="0" smtClean="0"/>
+              <a:t>Solve Means: Find V, I, and R for each resistor</a:t>
+            </a:r>
+            <a:endParaRPr lang="en-US" dirty="0"/>
+          </a:p>
+        </p:txBody>
+      </p:sp>
+      <p:pic>
+        <p:nvPicPr>
+          <p:cNvPr id="4" name="Picture 3"/>
+          <p:cNvPicPr>
+            <a:picLocks noChangeAspect="1"/>
+          </p:cNvPicPr>
+          <p:nvPr/>
+        </p:nvPicPr>
+        <p:blipFill>
+          <a:blip r:embed="rId2"/>
+          <a:stretch>
+            <a:fillRect/>
+          </a:stretch>
+        </p:blipFill>
+        <p:spPr>
+          <a:xfrm>
+            <a:off x="1222281" y="3405981"/>
+            <a:ext cx="5242394" cy="2510725"/>
+          </a:xfrm>
+          <a:prstGeom prst="rect">
+            <a:avLst/>
+          </a:prstGeom>
+        </p:spPr>
+      </p:pic>
+    </p:spTree>
+    <p:extLst>
+      <p:ext uri="{BB962C8B-B14F-4D97-AF65-F5344CB8AC3E}">
+        <p14:creationId xmlns:p14="http://schemas.microsoft.com/office/powerpoint/2010/main" val="4044579967"/>
       </p:ext>
     </p:extLst>
   </p:cSld>

--- a/Unit 2 Electricity and Magnetism/Day 05 Mixed Circuit Analysis/Mixed Circuit Analysis.pptx
+++ b/Unit 2 Electricity and Magnetism/Day 05 Mixed Circuit Analysis/Mixed Circuit Analysis.pptx
@@ -6,21 +6,23 @@
   </p:sldMasterIdLst>
   <p:sldIdLst>
     <p:sldId id="256" r:id="rId2"/>
-    <p:sldId id="264" r:id="rId3"/>
-    <p:sldId id="266" r:id="rId4"/>
-    <p:sldId id="267" r:id="rId5"/>
-    <p:sldId id="268" r:id="rId6"/>
-    <p:sldId id="269" r:id="rId7"/>
-    <p:sldId id="271" r:id="rId8"/>
-    <p:sldId id="272" r:id="rId9"/>
-    <p:sldId id="273" r:id="rId10"/>
-    <p:sldId id="265" r:id="rId11"/>
-    <p:sldId id="262" r:id="rId12"/>
-    <p:sldId id="261" r:id="rId13"/>
-    <p:sldId id="257" r:id="rId14"/>
-    <p:sldId id="260" r:id="rId15"/>
-    <p:sldId id="258" r:id="rId16"/>
-    <p:sldId id="263" r:id="rId17"/>
+    <p:sldId id="274" r:id="rId3"/>
+    <p:sldId id="275" r:id="rId4"/>
+    <p:sldId id="264" r:id="rId5"/>
+    <p:sldId id="266" r:id="rId6"/>
+    <p:sldId id="267" r:id="rId7"/>
+    <p:sldId id="268" r:id="rId8"/>
+    <p:sldId id="269" r:id="rId9"/>
+    <p:sldId id="271" r:id="rId10"/>
+    <p:sldId id="272" r:id="rId11"/>
+    <p:sldId id="273" r:id="rId12"/>
+    <p:sldId id="265" r:id="rId13"/>
+    <p:sldId id="262" r:id="rId14"/>
+    <p:sldId id="261" r:id="rId15"/>
+    <p:sldId id="257" r:id="rId16"/>
+    <p:sldId id="260" r:id="rId17"/>
+    <p:sldId id="258" r:id="rId18"/>
+    <p:sldId id="263" r:id="rId19"/>
   </p:sldIdLst>
   <p:sldSz cx="12192000" cy="6858000"/>
   <p:notesSz cx="6858000" cy="9144000"/>
@@ -258,7 +260,7 @@
           <a:p>
             <a:fld id="{CCD5E439-6E6F-487E-BF6A-4C6693686CD2}" type="datetimeFigureOut">
               <a:rPr lang="en-US" smtClean="0"/>
-              <a:t>9/23/2019</a:t>
+              <a:t>2/25/2020</a:t>
             </a:fld>
             <a:endParaRPr lang="en-US"/>
           </a:p>
@@ -428,7 +430,7 @@
           <a:p>
             <a:fld id="{CCD5E439-6E6F-487E-BF6A-4C6693686CD2}" type="datetimeFigureOut">
               <a:rPr lang="en-US" smtClean="0"/>
-              <a:t>9/23/2019</a:t>
+              <a:t>2/25/2020</a:t>
             </a:fld>
             <a:endParaRPr lang="en-US"/>
           </a:p>
@@ -608,7 +610,7 @@
           <a:p>
             <a:fld id="{CCD5E439-6E6F-487E-BF6A-4C6693686CD2}" type="datetimeFigureOut">
               <a:rPr lang="en-US" smtClean="0"/>
-              <a:t>9/23/2019</a:t>
+              <a:t>2/25/2020</a:t>
             </a:fld>
             <a:endParaRPr lang="en-US"/>
           </a:p>
@@ -778,7 +780,7 @@
           <a:p>
             <a:fld id="{CCD5E439-6E6F-487E-BF6A-4C6693686CD2}" type="datetimeFigureOut">
               <a:rPr lang="en-US" smtClean="0"/>
-              <a:t>9/23/2019</a:t>
+              <a:t>2/25/2020</a:t>
             </a:fld>
             <a:endParaRPr lang="en-US"/>
           </a:p>
@@ -1024,7 +1026,7 @@
           <a:p>
             <a:fld id="{CCD5E439-6E6F-487E-BF6A-4C6693686CD2}" type="datetimeFigureOut">
               <a:rPr lang="en-US" smtClean="0"/>
-              <a:t>9/23/2019</a:t>
+              <a:t>2/25/2020</a:t>
             </a:fld>
             <a:endParaRPr lang="en-US"/>
           </a:p>
@@ -1256,7 +1258,7 @@
           <a:p>
             <a:fld id="{CCD5E439-6E6F-487E-BF6A-4C6693686CD2}" type="datetimeFigureOut">
               <a:rPr lang="en-US" smtClean="0"/>
-              <a:t>9/23/2019</a:t>
+              <a:t>2/25/2020</a:t>
             </a:fld>
             <a:endParaRPr lang="en-US"/>
           </a:p>
@@ -1623,7 +1625,7 @@
           <a:p>
             <a:fld id="{CCD5E439-6E6F-487E-BF6A-4C6693686CD2}" type="datetimeFigureOut">
               <a:rPr lang="en-US" smtClean="0"/>
-              <a:t>9/23/2019</a:t>
+              <a:t>2/25/2020</a:t>
             </a:fld>
             <a:endParaRPr lang="en-US"/>
           </a:p>
@@ -1741,7 +1743,7 @@
           <a:p>
             <a:fld id="{CCD5E439-6E6F-487E-BF6A-4C6693686CD2}" type="datetimeFigureOut">
               <a:rPr lang="en-US" smtClean="0"/>
-              <a:t>9/23/2019</a:t>
+              <a:t>2/25/2020</a:t>
             </a:fld>
             <a:endParaRPr lang="en-US"/>
           </a:p>
@@ -1836,7 +1838,7 @@
           <a:p>
             <a:fld id="{CCD5E439-6E6F-487E-BF6A-4C6693686CD2}" type="datetimeFigureOut">
               <a:rPr lang="en-US" smtClean="0"/>
-              <a:t>9/23/2019</a:t>
+              <a:t>2/25/2020</a:t>
             </a:fld>
             <a:endParaRPr lang="en-US"/>
           </a:p>
@@ -2113,7 +2115,7 @@
           <a:p>
             <a:fld id="{CCD5E439-6E6F-487E-BF6A-4C6693686CD2}" type="datetimeFigureOut">
               <a:rPr lang="en-US" smtClean="0"/>
-              <a:t>9/23/2019</a:t>
+              <a:t>2/25/2020</a:t>
             </a:fld>
             <a:endParaRPr lang="en-US"/>
           </a:p>
@@ -2366,7 +2368,7 @@
           <a:p>
             <a:fld id="{CCD5E439-6E6F-487E-BF6A-4C6693686CD2}" type="datetimeFigureOut">
               <a:rPr lang="en-US" smtClean="0"/>
-              <a:t>9/23/2019</a:t>
+              <a:t>2/25/2020</a:t>
             </a:fld>
             <a:endParaRPr lang="en-US"/>
           </a:p>
@@ -2579,7 +2581,7 @@
           <a:p>
             <a:fld id="{CCD5E439-6E6F-487E-BF6A-4C6693686CD2}" type="datetimeFigureOut">
               <a:rPr lang="en-US" smtClean="0"/>
-              <a:t>9/23/2019</a:t>
+              <a:t>2/25/2020</a:t>
             </a:fld>
             <a:endParaRPr lang="en-US"/>
           </a:p>
@@ -3078,7 +3080,11 @@
           <a:bodyPr/>
           <a:lstStyle/>
           <a:p>
-            <a:endParaRPr lang="en-US"/>
+            <a:r>
+              <a:rPr lang="en-CA" dirty="0" smtClean="0"/>
+              <a:t>Mixed Circuits – Equivalent Resistance</a:t>
+            </a:r>
+            <a:endParaRPr lang="en-US" dirty="0"/>
           </a:p>
         </p:txBody>
       </p:sp>
@@ -3097,6 +3103,286 @@
           <a:bodyPr/>
           <a:lstStyle/>
           <a:p>
+            <a:r>
+              <a:rPr lang="en-CA" dirty="0" smtClean="0"/>
+              <a:t>2</a:t>
+            </a:r>
+            <a:r>
+              <a:rPr lang="en-CA" baseline="30000" dirty="0" smtClean="0"/>
+              <a:t>nd</a:t>
+            </a:r>
+            <a:r>
+              <a:rPr lang="en-CA" dirty="0" smtClean="0"/>
+              <a:t> Hint: How is the mixed circuit </a:t>
+            </a:r>
+            <a:r>
+              <a:rPr lang="en-CA" b="1" i="1" dirty="0" smtClean="0"/>
+              <a:t>Equivalent</a:t>
+            </a:r>
+            <a:r>
+              <a:rPr lang="en-CA" dirty="0" smtClean="0"/>
+              <a:t> to the series circuit?</a:t>
+            </a:r>
+          </a:p>
+        </p:txBody>
+      </p:sp>
+      <p:pic>
+        <p:nvPicPr>
+          <p:cNvPr id="4" name="Picture 3"/>
+          <p:cNvPicPr>
+            <a:picLocks noChangeAspect="1"/>
+          </p:cNvPicPr>
+          <p:nvPr/>
+        </p:nvPicPr>
+        <p:blipFill>
+          <a:blip r:embed="rId2"/>
+          <a:stretch>
+            <a:fillRect/>
+          </a:stretch>
+        </p:blipFill>
+        <p:spPr>
+          <a:xfrm>
+            <a:off x="1222281" y="3405981"/>
+            <a:ext cx="5242394" cy="2510725"/>
+          </a:xfrm>
+          <a:prstGeom prst="rect">
+            <a:avLst/>
+          </a:prstGeom>
+        </p:spPr>
+      </p:pic>
+      <p:pic>
+        <p:nvPicPr>
+          <p:cNvPr id="5" name="Picture 4"/>
+          <p:cNvPicPr>
+            <a:picLocks noChangeAspect="1"/>
+          </p:cNvPicPr>
+          <p:nvPr/>
+        </p:nvPicPr>
+        <p:blipFill>
+          <a:blip r:embed="rId3"/>
+          <a:stretch>
+            <a:fillRect/>
+          </a:stretch>
+        </p:blipFill>
+        <p:spPr>
+          <a:xfrm>
+            <a:off x="7302567" y="2837329"/>
+            <a:ext cx="3179096" cy="1645770"/>
+          </a:xfrm>
+          <a:prstGeom prst="rect">
+            <a:avLst/>
+          </a:prstGeom>
+        </p:spPr>
+      </p:pic>
+      <p:pic>
+        <p:nvPicPr>
+          <p:cNvPr id="6" name="Picture 5"/>
+          <p:cNvPicPr>
+            <a:picLocks noChangeAspect="1"/>
+          </p:cNvPicPr>
+          <p:nvPr/>
+        </p:nvPicPr>
+        <p:blipFill>
+          <a:blip r:embed="rId4"/>
+          <a:stretch>
+            <a:fillRect/>
+          </a:stretch>
+        </p:blipFill>
+        <p:spPr>
+          <a:xfrm>
+            <a:off x="7425963" y="4596092"/>
+            <a:ext cx="3270398" cy="1715808"/>
+          </a:xfrm>
+          <a:prstGeom prst="rect">
+            <a:avLst/>
+          </a:prstGeom>
+        </p:spPr>
+      </p:pic>
+    </p:spTree>
+    <p:extLst>
+      <p:ext uri="{BB962C8B-B14F-4D97-AF65-F5344CB8AC3E}">
+        <p14:creationId xmlns:p14="http://schemas.microsoft.com/office/powerpoint/2010/main" val="1893475538"/>
+      </p:ext>
+    </p:extLst>
+  </p:cSld>
+  <p:clrMapOvr>
+    <a:masterClrMapping/>
+  </p:clrMapOvr>
+  <p:timing>
+    <p:tnLst>
+      <p:par>
+        <p:cTn id="1" dur="indefinite" restart="never" nodeType="tmRoot"/>
+      </p:par>
+    </p:tnLst>
+  </p:timing>
+</p:sld>
+</file>
+
+<file path=ppt/slides/slide11.xml><?xml version="1.0" encoding="utf-8"?>
+<p:sld xmlns:a="http://schemas.openxmlformats.org/drawingml/2006/main" xmlns:r="http://schemas.openxmlformats.org/officeDocument/2006/relationships" xmlns:p="http://schemas.openxmlformats.org/presentationml/2006/main">
+  <p:cSld>
+    <p:spTree>
+      <p:nvGrpSpPr>
+        <p:cNvPr id="1" name=""/>
+        <p:cNvGrpSpPr/>
+        <p:nvPr/>
+      </p:nvGrpSpPr>
+      <p:grpSpPr>
+        <a:xfrm>
+          <a:off x="0" y="0"/>
+          <a:ext cx="0" cy="0"/>
+          <a:chOff x="0" y="0"/>
+          <a:chExt cx="0" cy="0"/>
+        </a:xfrm>
+      </p:grpSpPr>
+      <p:sp>
+        <p:nvSpPr>
+          <p:cNvPr id="2" name="Title 1"/>
+          <p:cNvSpPr>
+            <a:spLocks noGrp="1"/>
+          </p:cNvSpPr>
+          <p:nvPr>
+            <p:ph type="title"/>
+          </p:nvPr>
+        </p:nvSpPr>
+        <p:spPr/>
+        <p:txBody>
+          <a:bodyPr/>
+          <a:lstStyle/>
+          <a:p>
+            <a:r>
+              <a:rPr lang="en-CA" dirty="0" smtClean="0"/>
+              <a:t>Mixed Circuits – Equivalent Resistance</a:t>
+            </a:r>
+            <a:endParaRPr lang="en-US" dirty="0"/>
+          </a:p>
+        </p:txBody>
+      </p:sp>
+      <p:sp>
+        <p:nvSpPr>
+          <p:cNvPr id="3" name="Content Placeholder 2"/>
+          <p:cNvSpPr>
+            <a:spLocks noGrp="1"/>
+          </p:cNvSpPr>
+          <p:nvPr>
+            <p:ph idx="1"/>
+          </p:nvPr>
+        </p:nvSpPr>
+        <p:spPr/>
+        <p:txBody>
+          <a:bodyPr/>
+          <a:lstStyle/>
+          <a:p>
+            <a:r>
+              <a:rPr lang="en-CA" dirty="0" smtClean="0"/>
+              <a:t>Solve the following Mixed Circuit </a:t>
+            </a:r>
+          </a:p>
+          <a:p>
+            <a:pPr lvl="1"/>
+            <a:r>
+              <a:rPr lang="en-CA" dirty="0" smtClean="0"/>
+              <a:t>Solve Means: Find V, I, and R for each resistor</a:t>
+            </a:r>
+            <a:endParaRPr lang="en-US" dirty="0"/>
+          </a:p>
+        </p:txBody>
+      </p:sp>
+      <p:pic>
+        <p:nvPicPr>
+          <p:cNvPr id="4" name="Picture 3"/>
+          <p:cNvPicPr>
+            <a:picLocks noChangeAspect="1"/>
+          </p:cNvPicPr>
+          <p:nvPr/>
+        </p:nvPicPr>
+        <p:blipFill>
+          <a:blip r:embed="rId2"/>
+          <a:stretch>
+            <a:fillRect/>
+          </a:stretch>
+        </p:blipFill>
+        <p:spPr>
+          <a:xfrm>
+            <a:off x="1222281" y="3405981"/>
+            <a:ext cx="5242394" cy="2510725"/>
+          </a:xfrm>
+          <a:prstGeom prst="rect">
+            <a:avLst/>
+          </a:prstGeom>
+        </p:spPr>
+      </p:pic>
+    </p:spTree>
+    <p:extLst>
+      <p:ext uri="{BB962C8B-B14F-4D97-AF65-F5344CB8AC3E}">
+        <p14:creationId xmlns:p14="http://schemas.microsoft.com/office/powerpoint/2010/main" val="4044579967"/>
+      </p:ext>
+    </p:extLst>
+  </p:cSld>
+  <p:clrMapOvr>
+    <a:masterClrMapping/>
+  </p:clrMapOvr>
+  <p:timing>
+    <p:tnLst>
+      <p:par>
+        <p:cTn id="1" dur="indefinite" restart="never" nodeType="tmRoot"/>
+      </p:par>
+    </p:tnLst>
+  </p:timing>
+</p:sld>
+</file>
+
+<file path=ppt/slides/slide12.xml><?xml version="1.0" encoding="utf-8"?>
+<p:sld xmlns:a="http://schemas.openxmlformats.org/drawingml/2006/main" xmlns:r="http://schemas.openxmlformats.org/officeDocument/2006/relationships" xmlns:p="http://schemas.openxmlformats.org/presentationml/2006/main">
+  <p:cSld>
+    <p:spTree>
+      <p:nvGrpSpPr>
+        <p:cNvPr id="1" name=""/>
+        <p:cNvGrpSpPr/>
+        <p:nvPr/>
+      </p:nvGrpSpPr>
+      <p:grpSpPr>
+        <a:xfrm>
+          <a:off x="0" y="0"/>
+          <a:ext cx="0" cy="0"/>
+          <a:chOff x="0" y="0"/>
+          <a:chExt cx="0" cy="0"/>
+        </a:xfrm>
+      </p:grpSpPr>
+      <p:sp>
+        <p:nvSpPr>
+          <p:cNvPr id="2" name="Title 1"/>
+          <p:cNvSpPr>
+            <a:spLocks noGrp="1"/>
+          </p:cNvSpPr>
+          <p:nvPr>
+            <p:ph type="title"/>
+          </p:nvPr>
+        </p:nvSpPr>
+        <p:spPr/>
+        <p:txBody>
+          <a:bodyPr/>
+          <a:lstStyle/>
+          <a:p>
+            <a:endParaRPr lang="en-US"/>
+          </a:p>
+        </p:txBody>
+      </p:sp>
+      <p:sp>
+        <p:nvSpPr>
+          <p:cNvPr id="3" name="Content Placeholder 2"/>
+          <p:cNvSpPr>
+            <a:spLocks noGrp="1"/>
+          </p:cNvSpPr>
+          <p:nvPr>
+            <p:ph idx="1"/>
+          </p:nvPr>
+        </p:nvSpPr>
+        <p:spPr/>
+        <p:txBody>
+          <a:bodyPr/>
+          <a:lstStyle/>
+          <a:p>
             <a:endParaRPr lang="en-US"/>
           </a:p>
         </p:txBody>
@@ -3111,10 +3397,17 @@
   <p:clrMapOvr>
     <a:masterClrMapping/>
   </p:clrMapOvr>
+  <p:timing>
+    <p:tnLst>
+      <p:par>
+        <p:cTn id="1" dur="indefinite" restart="never" nodeType="tmRoot"/>
+      </p:par>
+    </p:tnLst>
+  </p:timing>
 </p:sld>
 </file>
 
-<file path=ppt/slides/slide11.xml><?xml version="1.0" encoding="utf-8"?>
+<file path=ppt/slides/slide13.xml><?xml version="1.0" encoding="utf-8"?>
 <p:sld xmlns:a="http://schemas.openxmlformats.org/drawingml/2006/main" xmlns:r="http://schemas.openxmlformats.org/officeDocument/2006/relationships" xmlns:p="http://schemas.openxmlformats.org/presentationml/2006/main">
   <p:cSld>
     <p:spTree>
@@ -4418,10 +4711,17 @@
   <p:clrMapOvr>
     <a:masterClrMapping/>
   </p:clrMapOvr>
+  <p:timing>
+    <p:tnLst>
+      <p:par>
+        <p:cTn id="1" dur="indefinite" restart="never" nodeType="tmRoot"/>
+      </p:par>
+    </p:tnLst>
+  </p:timing>
 </p:sld>
 </file>
 
-<file path=ppt/slides/slide12.xml><?xml version="1.0" encoding="utf-8"?>
+<file path=ppt/slides/slide14.xml><?xml version="1.0" encoding="utf-8"?>
 <p:sld xmlns:a="http://schemas.openxmlformats.org/drawingml/2006/main" xmlns:r="http://schemas.openxmlformats.org/officeDocument/2006/relationships" xmlns:p="http://schemas.openxmlformats.org/presentationml/2006/main">
   <p:cSld>
     <p:spTree>
@@ -6674,10 +6974,17 @@
   <p:clrMapOvr>
     <a:masterClrMapping/>
   </p:clrMapOvr>
+  <p:timing>
+    <p:tnLst>
+      <p:par>
+        <p:cTn id="1" dur="indefinite" restart="never" nodeType="tmRoot"/>
+      </p:par>
+    </p:tnLst>
+  </p:timing>
 </p:sld>
 </file>
 
-<file path=ppt/slides/slide13.xml><?xml version="1.0" encoding="utf-8"?>
+<file path=ppt/slides/slide15.xml><?xml version="1.0" encoding="utf-8"?>
 <p:sld xmlns:a="http://schemas.openxmlformats.org/drawingml/2006/main" xmlns:r="http://schemas.openxmlformats.org/officeDocument/2006/relationships" xmlns:p="http://schemas.openxmlformats.org/presentationml/2006/main">
   <p:cSld>
     <p:spTree>
@@ -7085,7 +7392,7 @@
 </p:sld>
 </file>
 
-<file path=ppt/slides/slide14.xml><?xml version="1.0" encoding="utf-8"?>
+<file path=ppt/slides/slide16.xml><?xml version="1.0" encoding="utf-8"?>
 <p:sld xmlns:a="http://schemas.openxmlformats.org/drawingml/2006/main" xmlns:r="http://schemas.openxmlformats.org/officeDocument/2006/relationships" xmlns:p="http://schemas.openxmlformats.org/presentationml/2006/main">
   <p:cSld>
     <p:spTree>
@@ -7235,7 +7542,7 @@
 </p:sld>
 </file>
 
-<file path=ppt/slides/slide15.xml><?xml version="1.0" encoding="utf-8"?>
+<file path=ppt/slides/slide17.xml><?xml version="1.0" encoding="utf-8"?>
 <p:sld xmlns:a="http://schemas.openxmlformats.org/drawingml/2006/main" xmlns:r="http://schemas.openxmlformats.org/officeDocument/2006/relationships" xmlns:p="http://schemas.openxmlformats.org/presentationml/2006/main">
   <p:cSld>
     <p:spTree>
@@ -7301,8 +7608,20 @@
                 <a:tableStyleId>{5940675A-B579-460E-94D1-54222C63F5DA}</a:tableStyleId>
               </a:tblPr>
               <a:tblGrid>
-                <a:gridCol w="5257800"/>
-                <a:gridCol w="5257800"/>
+                <a:gridCol w="5257800">
+                  <a:extLst>
+                    <a:ext uri="{9D8B030D-6E8A-4147-A177-3AD203B41FA5}">
+                      <a16:colId xmlns:a16="http://schemas.microsoft.com/office/drawing/2014/main" val="20000"/>
+                    </a:ext>
+                  </a:extLst>
+                </a:gridCol>
+                <a:gridCol w="5257800">
+                  <a:extLst>
+                    <a:ext uri="{9D8B030D-6E8A-4147-A177-3AD203B41FA5}">
+                      <a16:colId xmlns:a16="http://schemas.microsoft.com/office/drawing/2014/main" val="20001"/>
+                    </a:ext>
+                  </a:extLst>
+                </a:gridCol>
               </a:tblGrid>
               <a:tr h="370840">
                 <a:tc>
@@ -7333,6 +7652,11 @@
                   </a:txBody>
                   <a:tcPr/>
                 </a:tc>
+                <a:extLst>
+                  <a:ext uri="{0D108BD9-81ED-4DB2-BD59-A6C34878D82A}">
+                    <a16:rowId xmlns:a16="http://schemas.microsoft.com/office/drawing/2014/main" val="10000"/>
+                  </a:ext>
+                </a:extLst>
               </a:tr>
               <a:tr h="370840">
                 <a:tc>
@@ -7355,6 +7679,11 @@
                   </a:txBody>
                   <a:tcPr/>
                 </a:tc>
+                <a:extLst>
+                  <a:ext uri="{0D108BD9-81ED-4DB2-BD59-A6C34878D82A}">
+                    <a16:rowId xmlns:a16="http://schemas.microsoft.com/office/drawing/2014/main" val="10001"/>
+                  </a:ext>
+                </a:extLst>
               </a:tr>
               <a:tr h="738505">
                 <a:tc>
@@ -7419,6 +7748,11 @@
                   </a:txBody>
                   <a:tcPr anchor="ctr"/>
                 </a:tc>
+                <a:extLst>
+                  <a:ext uri="{0D108BD9-81ED-4DB2-BD59-A6C34878D82A}">
+                    <a16:rowId xmlns:a16="http://schemas.microsoft.com/office/drawing/2014/main" val="10002"/>
+                  </a:ext>
+                </a:extLst>
               </a:tr>
               <a:tr h="738505">
                 <a:tc>
@@ -7491,6 +7825,11 @@
                   </a:txBody>
                   <a:tcPr anchor="ctr"/>
                 </a:tc>
+                <a:extLst>
+                  <a:ext uri="{0D108BD9-81ED-4DB2-BD59-A6C34878D82A}">
+                    <a16:rowId xmlns:a16="http://schemas.microsoft.com/office/drawing/2014/main" val="10003"/>
+                  </a:ext>
+                </a:extLst>
               </a:tr>
               <a:tr h="738505">
                 <a:tc>
@@ -7579,6 +7918,11 @@
                   </a:txBody>
                   <a:tcPr anchor="ctr"/>
                 </a:tc>
+                <a:extLst>
+                  <a:ext uri="{0D108BD9-81ED-4DB2-BD59-A6C34878D82A}">
+                    <a16:rowId xmlns:a16="http://schemas.microsoft.com/office/drawing/2014/main" val="10004"/>
+                  </a:ext>
+                </a:extLst>
               </a:tr>
             </a:tbl>
           </a:graphicData>
@@ -7604,7 +7948,7 @@
 </p:sld>
 </file>
 
-<file path=ppt/slides/slide16.xml><?xml version="1.0" encoding="utf-8"?>
+<file path=ppt/slides/slide18.xml><?xml version="1.0" encoding="utf-8"?>
 <p:sld xmlns:a="http://schemas.openxmlformats.org/drawingml/2006/main" xmlns:r="http://schemas.openxmlformats.org/officeDocument/2006/relationships" xmlns:p="http://schemas.openxmlformats.org/presentationml/2006/main">
   <p:cSld>
     <p:spTree>
@@ -10826,10 +11170,867 @@
   <p:clrMapOvr>
     <a:masterClrMapping/>
   </p:clrMapOvr>
+  <p:timing>
+    <p:tnLst>
+      <p:par>
+        <p:cTn id="1" dur="indefinite" restart="never" nodeType="tmRoot"/>
+      </p:par>
+    </p:tnLst>
+  </p:timing>
 </p:sld>
 </file>
 
 <file path=ppt/slides/slide2.xml><?xml version="1.0" encoding="utf-8"?>
+<p:sld xmlns:a="http://schemas.openxmlformats.org/drawingml/2006/main" xmlns:r="http://schemas.openxmlformats.org/officeDocument/2006/relationships" xmlns:p="http://schemas.openxmlformats.org/presentationml/2006/main">
+  <p:cSld>
+    <p:spTree>
+      <p:nvGrpSpPr>
+        <p:cNvPr id="1" name=""/>
+        <p:cNvGrpSpPr/>
+        <p:nvPr/>
+      </p:nvGrpSpPr>
+      <p:grpSpPr>
+        <a:xfrm>
+          <a:off x="0" y="0"/>
+          <a:ext cx="0" cy="0"/>
+          <a:chOff x="0" y="0"/>
+          <a:chExt cx="0" cy="0"/>
+        </a:xfrm>
+      </p:grpSpPr>
+      <p:sp>
+        <p:nvSpPr>
+          <p:cNvPr id="2" name="Title 1"/>
+          <p:cNvSpPr>
+            <a:spLocks noGrp="1"/>
+          </p:cNvSpPr>
+          <p:nvPr>
+            <p:ph type="title"/>
+          </p:nvPr>
+        </p:nvSpPr>
+        <p:spPr/>
+        <p:txBody>
+          <a:bodyPr/>
+          <a:lstStyle/>
+          <a:p>
+            <a:r>
+              <a:rPr lang="en-CA" dirty="0" smtClean="0"/>
+              <a:t>Series Circuit – Kirchhoff's Rules</a:t>
+            </a:r>
+            <a:endParaRPr lang="en-US" dirty="0"/>
+          </a:p>
+        </p:txBody>
+      </p:sp>
+      <p:grpSp>
+        <p:nvGrpSpPr>
+          <p:cNvPr id="5" name="Group 4"/>
+          <p:cNvGrpSpPr/>
+          <p:nvPr/>
+        </p:nvGrpSpPr>
+        <p:grpSpPr>
+          <a:xfrm>
+            <a:off x="3159853" y="1690688"/>
+            <a:ext cx="4414838" cy="4645579"/>
+            <a:chOff x="3159853" y="1690688"/>
+            <a:chExt cx="4414838" cy="4645579"/>
+          </a:xfrm>
+        </p:grpSpPr>
+        <p:pic>
+          <p:nvPicPr>
+            <p:cNvPr id="4" name="Picture 3"/>
+            <p:cNvPicPr>
+              <a:picLocks noChangeAspect="1"/>
+            </p:cNvPicPr>
+            <p:nvPr/>
+          </p:nvPicPr>
+          <p:blipFill>
+            <a:blip r:embed="rId2"/>
+            <a:stretch>
+              <a:fillRect/>
+            </a:stretch>
+          </p:blipFill>
+          <p:spPr>
+            <a:xfrm>
+              <a:off x="3159853" y="1690688"/>
+              <a:ext cx="4414838" cy="4645579"/>
+            </a:xfrm>
+            <a:prstGeom prst="rect">
+              <a:avLst/>
+            </a:prstGeom>
+          </p:spPr>
+        </p:pic>
+        <p:sp>
+          <p:nvSpPr>
+            <p:cNvPr id="3" name="Rectangle 2"/>
+            <p:cNvSpPr/>
+            <p:nvPr/>
+          </p:nvSpPr>
+          <p:spPr>
+            <a:xfrm>
+              <a:off x="4315968" y="2798064"/>
+              <a:ext cx="2002536" cy="1133856"/>
+            </a:xfrm>
+            <a:prstGeom prst="rect">
+              <a:avLst/>
+            </a:prstGeom>
+            <a:solidFill>
+              <a:schemeClr val="bg1"/>
+            </a:solidFill>
+            <a:ln>
+              <a:noFill/>
+            </a:ln>
+          </p:spPr>
+          <p:style>
+            <a:lnRef idx="2">
+              <a:schemeClr val="accent1">
+                <a:shade val="50000"/>
+              </a:schemeClr>
+            </a:lnRef>
+            <a:fillRef idx="1">
+              <a:schemeClr val="accent1"/>
+            </a:fillRef>
+            <a:effectRef idx="0">
+              <a:schemeClr val="accent1"/>
+            </a:effectRef>
+            <a:fontRef idx="minor">
+              <a:schemeClr val="lt1"/>
+            </a:fontRef>
+          </p:style>
+          <p:txBody>
+            <a:bodyPr rtlCol="0" anchor="ctr"/>
+            <a:lstStyle/>
+            <a:p>
+              <a:pPr algn="ctr"/>
+              <a:endParaRPr lang="en-US"/>
+            </a:p>
+          </p:txBody>
+        </p:sp>
+      </p:grpSp>
+    </p:spTree>
+    <p:extLst>
+      <p:ext uri="{BB962C8B-B14F-4D97-AF65-F5344CB8AC3E}">
+        <p14:creationId xmlns:p14="http://schemas.microsoft.com/office/powerpoint/2010/main" val="1932682416"/>
+      </p:ext>
+    </p:extLst>
+  </p:cSld>
+  <p:clrMapOvr>
+    <a:masterClrMapping/>
+  </p:clrMapOvr>
+  <p:timing>
+    <p:tnLst>
+      <p:par>
+        <p:cTn id="1" dur="indefinite" restart="never" nodeType="tmRoot"/>
+      </p:par>
+    </p:tnLst>
+  </p:timing>
+</p:sld>
+</file>
+
+<file path=ppt/slides/slide3.xml><?xml version="1.0" encoding="utf-8"?>
+<p:sld xmlns:a="http://schemas.openxmlformats.org/drawingml/2006/main" xmlns:r="http://schemas.openxmlformats.org/officeDocument/2006/relationships" xmlns:p="http://schemas.openxmlformats.org/presentationml/2006/main">
+  <p:cSld>
+    <p:spTree>
+      <p:nvGrpSpPr>
+        <p:cNvPr id="1" name=""/>
+        <p:cNvGrpSpPr/>
+        <p:nvPr/>
+      </p:nvGrpSpPr>
+      <p:grpSpPr>
+        <a:xfrm>
+          <a:off x="0" y="0"/>
+          <a:ext cx="0" cy="0"/>
+          <a:chOff x="0" y="0"/>
+          <a:chExt cx="0" cy="0"/>
+        </a:xfrm>
+      </p:grpSpPr>
+      <p:sp>
+        <p:nvSpPr>
+          <p:cNvPr id="2" name="Title 1"/>
+          <p:cNvSpPr>
+            <a:spLocks noGrp="1"/>
+          </p:cNvSpPr>
+          <p:nvPr>
+            <p:ph type="title"/>
+          </p:nvPr>
+        </p:nvSpPr>
+        <p:spPr/>
+        <p:txBody>
+          <a:bodyPr/>
+          <a:lstStyle/>
+          <a:p>
+            <a:r>
+              <a:rPr lang="en-CA" smtClean="0"/>
+              <a:t>Parallel </a:t>
+            </a:r>
+            <a:r>
+              <a:rPr lang="en-CA" dirty="0" smtClean="0"/>
+              <a:t>Circuit – Kirchhoff's Rules</a:t>
+            </a:r>
+            <a:endParaRPr lang="en-US" dirty="0"/>
+          </a:p>
+        </p:txBody>
+      </p:sp>
+      <p:grpSp>
+        <p:nvGrpSpPr>
+          <p:cNvPr id="14" name="Group 13"/>
+          <p:cNvGrpSpPr/>
+          <p:nvPr/>
+        </p:nvGrpSpPr>
+        <p:grpSpPr>
+          <a:xfrm>
+            <a:off x="3140160" y="1690688"/>
+            <a:ext cx="5069914" cy="4685398"/>
+            <a:chOff x="3140160" y="1690688"/>
+            <a:chExt cx="5069914" cy="4685398"/>
+          </a:xfrm>
+        </p:grpSpPr>
+        <p:grpSp>
+          <p:nvGrpSpPr>
+            <p:cNvPr id="11" name="Group 10"/>
+            <p:cNvGrpSpPr/>
+            <p:nvPr/>
+          </p:nvGrpSpPr>
+          <p:grpSpPr>
+            <a:xfrm>
+              <a:off x="3140160" y="1690688"/>
+              <a:ext cx="5069914" cy="4685398"/>
+              <a:chOff x="3140160" y="1690688"/>
+              <a:chExt cx="5069914" cy="4685398"/>
+            </a:xfrm>
+          </p:grpSpPr>
+          <p:pic>
+            <p:nvPicPr>
+              <p:cNvPr id="4" name="Picture 3"/>
+              <p:cNvPicPr>
+                <a:picLocks noChangeAspect="1"/>
+              </p:cNvPicPr>
+              <p:nvPr/>
+            </p:nvPicPr>
+            <p:blipFill>
+              <a:blip r:embed="rId2"/>
+              <a:stretch>
+                <a:fillRect/>
+              </a:stretch>
+            </p:blipFill>
+            <p:spPr>
+              <a:xfrm>
+                <a:off x="3140160" y="1690688"/>
+                <a:ext cx="5069914" cy="4685398"/>
+              </a:xfrm>
+              <a:prstGeom prst="rect">
+                <a:avLst/>
+              </a:prstGeom>
+            </p:spPr>
+          </p:pic>
+          <p:sp>
+            <p:nvSpPr>
+              <p:cNvPr id="3" name="Rectangle 2"/>
+              <p:cNvSpPr/>
+              <p:nvPr/>
+            </p:nvSpPr>
+            <p:spPr>
+              <a:xfrm>
+                <a:off x="3959352" y="2624328"/>
+                <a:ext cx="1179576" cy="1417320"/>
+              </a:xfrm>
+              <a:prstGeom prst="rect">
+                <a:avLst/>
+              </a:prstGeom>
+              <a:solidFill>
+                <a:schemeClr val="bg1"/>
+              </a:solidFill>
+              <a:ln>
+                <a:noFill/>
+              </a:ln>
+            </p:spPr>
+            <p:style>
+              <a:lnRef idx="2">
+                <a:schemeClr val="accent1">
+                  <a:shade val="50000"/>
+                </a:schemeClr>
+              </a:lnRef>
+              <a:fillRef idx="1">
+                <a:schemeClr val="accent1"/>
+              </a:fillRef>
+              <a:effectRef idx="0">
+                <a:schemeClr val="accent1"/>
+              </a:effectRef>
+              <a:fontRef idx="minor">
+                <a:schemeClr val="lt1"/>
+              </a:fontRef>
+            </p:style>
+            <p:txBody>
+              <a:bodyPr rtlCol="0" anchor="ctr"/>
+              <a:lstStyle/>
+              <a:p>
+                <a:pPr algn="ctr"/>
+                <a:endParaRPr lang="en-US"/>
+              </a:p>
+            </p:txBody>
+          </p:sp>
+          <p:sp>
+            <p:nvSpPr>
+              <p:cNvPr id="5" name="Rectangle 4"/>
+              <p:cNvSpPr/>
+              <p:nvPr/>
+            </p:nvSpPr>
+            <p:spPr>
+              <a:xfrm>
+                <a:off x="5769864" y="2945892"/>
+                <a:ext cx="289560" cy="774192"/>
+              </a:xfrm>
+              <a:prstGeom prst="rect">
+                <a:avLst/>
+              </a:prstGeom>
+              <a:solidFill>
+                <a:schemeClr val="bg1"/>
+              </a:solidFill>
+              <a:ln>
+                <a:noFill/>
+              </a:ln>
+            </p:spPr>
+            <p:style>
+              <a:lnRef idx="2">
+                <a:schemeClr val="accent1">
+                  <a:shade val="50000"/>
+                </a:schemeClr>
+              </a:lnRef>
+              <a:fillRef idx="1">
+                <a:schemeClr val="accent1"/>
+              </a:fillRef>
+              <a:effectRef idx="0">
+                <a:schemeClr val="accent1"/>
+              </a:effectRef>
+              <a:fontRef idx="minor">
+                <a:schemeClr val="lt1"/>
+              </a:fontRef>
+            </p:style>
+            <p:txBody>
+              <a:bodyPr rtlCol="0" anchor="ctr"/>
+              <a:lstStyle/>
+              <a:p>
+                <a:pPr algn="ctr"/>
+                <a:endParaRPr lang="en-US"/>
+              </a:p>
+            </p:txBody>
+          </p:sp>
+          <p:sp>
+            <p:nvSpPr>
+              <p:cNvPr id="6" name="Rectangle 5"/>
+              <p:cNvSpPr/>
+              <p:nvPr/>
+            </p:nvSpPr>
+            <p:spPr>
+              <a:xfrm>
+                <a:off x="6700409" y="3016251"/>
+                <a:ext cx="289560" cy="774192"/>
+              </a:xfrm>
+              <a:prstGeom prst="rect">
+                <a:avLst/>
+              </a:prstGeom>
+              <a:solidFill>
+                <a:schemeClr val="bg1"/>
+              </a:solidFill>
+              <a:ln>
+                <a:noFill/>
+              </a:ln>
+            </p:spPr>
+            <p:style>
+              <a:lnRef idx="2">
+                <a:schemeClr val="accent1">
+                  <a:shade val="50000"/>
+                </a:schemeClr>
+              </a:lnRef>
+              <a:fillRef idx="1">
+                <a:schemeClr val="accent1"/>
+              </a:fillRef>
+              <a:effectRef idx="0">
+                <a:schemeClr val="accent1"/>
+              </a:effectRef>
+              <a:fontRef idx="minor">
+                <a:schemeClr val="lt1"/>
+              </a:fontRef>
+            </p:style>
+            <p:txBody>
+              <a:bodyPr rtlCol="0" anchor="ctr"/>
+              <a:lstStyle/>
+              <a:p>
+                <a:pPr algn="ctr"/>
+                <a:endParaRPr lang="en-US"/>
+              </a:p>
+            </p:txBody>
+          </p:sp>
+          <p:sp>
+            <p:nvSpPr>
+              <p:cNvPr id="7" name="Rectangle 6"/>
+              <p:cNvSpPr/>
+              <p:nvPr/>
+            </p:nvSpPr>
+            <p:spPr>
+              <a:xfrm>
+                <a:off x="6276451" y="2625852"/>
+                <a:ext cx="713518" cy="227076"/>
+              </a:xfrm>
+              <a:prstGeom prst="rect">
+                <a:avLst/>
+              </a:prstGeom>
+              <a:solidFill>
+                <a:schemeClr val="bg1"/>
+              </a:solidFill>
+              <a:ln>
+                <a:noFill/>
+              </a:ln>
+            </p:spPr>
+            <p:style>
+              <a:lnRef idx="2">
+                <a:schemeClr val="accent1">
+                  <a:shade val="50000"/>
+                </a:schemeClr>
+              </a:lnRef>
+              <a:fillRef idx="1">
+                <a:schemeClr val="accent1"/>
+              </a:fillRef>
+              <a:effectRef idx="0">
+                <a:schemeClr val="accent1"/>
+              </a:effectRef>
+              <a:fontRef idx="minor">
+                <a:schemeClr val="lt1"/>
+              </a:fontRef>
+            </p:style>
+            <p:txBody>
+              <a:bodyPr rtlCol="0" anchor="ctr"/>
+              <a:lstStyle/>
+              <a:p>
+                <a:pPr algn="ctr"/>
+                <a:endParaRPr lang="en-US"/>
+              </a:p>
+            </p:txBody>
+          </p:sp>
+          <p:sp>
+            <p:nvSpPr>
+              <p:cNvPr id="8" name="Rectangle 7"/>
+              <p:cNvSpPr/>
+              <p:nvPr/>
+            </p:nvSpPr>
+            <p:spPr>
+              <a:xfrm>
+                <a:off x="6276451" y="3814255"/>
+                <a:ext cx="713518" cy="227076"/>
+              </a:xfrm>
+              <a:prstGeom prst="rect">
+                <a:avLst/>
+              </a:prstGeom>
+              <a:solidFill>
+                <a:schemeClr val="bg1"/>
+              </a:solidFill>
+              <a:ln>
+                <a:noFill/>
+              </a:ln>
+            </p:spPr>
+            <p:style>
+              <a:lnRef idx="2">
+                <a:schemeClr val="accent1">
+                  <a:shade val="50000"/>
+                </a:schemeClr>
+              </a:lnRef>
+              <a:fillRef idx="1">
+                <a:schemeClr val="accent1"/>
+              </a:fillRef>
+              <a:effectRef idx="0">
+                <a:schemeClr val="accent1"/>
+              </a:effectRef>
+              <a:fontRef idx="minor">
+                <a:schemeClr val="lt1"/>
+              </a:fontRef>
+            </p:style>
+            <p:txBody>
+              <a:bodyPr rtlCol="0" anchor="ctr"/>
+              <a:lstStyle/>
+              <a:p>
+                <a:pPr algn="ctr"/>
+                <a:endParaRPr lang="en-US"/>
+              </a:p>
+            </p:txBody>
+          </p:sp>
+          <p:sp>
+            <p:nvSpPr>
+              <p:cNvPr id="9" name="Rectangle 8"/>
+              <p:cNvSpPr/>
+              <p:nvPr/>
+            </p:nvSpPr>
+            <p:spPr>
+              <a:xfrm>
+                <a:off x="5350930" y="2624328"/>
+                <a:ext cx="713518" cy="227076"/>
+              </a:xfrm>
+              <a:prstGeom prst="rect">
+                <a:avLst/>
+              </a:prstGeom>
+              <a:solidFill>
+                <a:schemeClr val="bg1"/>
+              </a:solidFill>
+              <a:ln>
+                <a:noFill/>
+              </a:ln>
+            </p:spPr>
+            <p:style>
+              <a:lnRef idx="2">
+                <a:schemeClr val="accent1">
+                  <a:shade val="50000"/>
+                </a:schemeClr>
+              </a:lnRef>
+              <a:fillRef idx="1">
+                <a:schemeClr val="accent1"/>
+              </a:fillRef>
+              <a:effectRef idx="0">
+                <a:schemeClr val="accent1"/>
+              </a:effectRef>
+              <a:fontRef idx="minor">
+                <a:schemeClr val="lt1"/>
+              </a:fontRef>
+            </p:style>
+            <p:txBody>
+              <a:bodyPr rtlCol="0" anchor="ctr"/>
+              <a:lstStyle/>
+              <a:p>
+                <a:pPr algn="ctr"/>
+                <a:endParaRPr lang="en-US"/>
+              </a:p>
+            </p:txBody>
+          </p:sp>
+          <p:sp>
+            <p:nvSpPr>
+              <p:cNvPr id="10" name="Rectangle 9"/>
+              <p:cNvSpPr/>
+              <p:nvPr/>
+            </p:nvSpPr>
+            <p:spPr>
+              <a:xfrm>
+                <a:off x="5354883" y="3814572"/>
+                <a:ext cx="713518" cy="227076"/>
+              </a:xfrm>
+              <a:prstGeom prst="rect">
+                <a:avLst/>
+              </a:prstGeom>
+              <a:solidFill>
+                <a:schemeClr val="bg1"/>
+              </a:solidFill>
+              <a:ln>
+                <a:noFill/>
+              </a:ln>
+            </p:spPr>
+            <p:style>
+              <a:lnRef idx="2">
+                <a:schemeClr val="accent1">
+                  <a:shade val="50000"/>
+                </a:schemeClr>
+              </a:lnRef>
+              <a:fillRef idx="1">
+                <a:schemeClr val="accent1"/>
+              </a:fillRef>
+              <a:effectRef idx="0">
+                <a:schemeClr val="accent1"/>
+              </a:effectRef>
+              <a:fontRef idx="minor">
+                <a:schemeClr val="lt1"/>
+              </a:fontRef>
+            </p:style>
+            <p:txBody>
+              <a:bodyPr rtlCol="0" anchor="ctr"/>
+              <a:lstStyle/>
+              <a:p>
+                <a:pPr algn="ctr"/>
+                <a:endParaRPr lang="en-US"/>
+              </a:p>
+            </p:txBody>
+          </p:sp>
+        </p:grpSp>
+        <p:sp>
+          <p:nvSpPr>
+            <p:cNvPr id="13" name="Rectangle 12"/>
+            <p:cNvSpPr/>
+            <p:nvPr/>
+          </p:nvSpPr>
+          <p:spPr>
+            <a:xfrm>
+              <a:off x="3984520" y="5318760"/>
+              <a:ext cx="2891767" cy="707136"/>
+            </a:xfrm>
+            <a:prstGeom prst="rect">
+              <a:avLst/>
+            </a:prstGeom>
+            <a:solidFill>
+              <a:schemeClr val="bg1"/>
+            </a:solidFill>
+            <a:ln>
+              <a:noFill/>
+            </a:ln>
+          </p:spPr>
+          <p:style>
+            <a:lnRef idx="2">
+              <a:schemeClr val="accent1">
+                <a:shade val="50000"/>
+              </a:schemeClr>
+            </a:lnRef>
+            <a:fillRef idx="1">
+              <a:schemeClr val="accent1"/>
+            </a:fillRef>
+            <a:effectRef idx="0">
+              <a:schemeClr val="accent1"/>
+            </a:effectRef>
+            <a:fontRef idx="minor">
+              <a:schemeClr val="lt1"/>
+            </a:fontRef>
+          </p:style>
+          <p:txBody>
+            <a:bodyPr rtlCol="0" anchor="ctr"/>
+            <a:lstStyle/>
+            <a:p>
+              <a:pPr algn="ctr"/>
+              <a:endParaRPr lang="en-US"/>
+            </a:p>
+          </p:txBody>
+        </p:sp>
+        <mc:AlternateContent xmlns:mc="http://schemas.openxmlformats.org/markup-compatibility/2006">
+          <mc:Choice xmlns:a14="http://schemas.microsoft.com/office/drawing/2010/main" Requires="a14">
+            <p:sp>
+              <p:nvSpPr>
+                <p:cNvPr id="12" name="TextBox 11"/>
+                <p:cNvSpPr txBox="1"/>
+                <p:nvPr/>
+              </p:nvSpPr>
+              <p:spPr>
+                <a:xfrm>
+                  <a:off x="4057248" y="5413805"/>
+                  <a:ext cx="2575962" cy="612091"/>
+                </a:xfrm>
+                <a:prstGeom prst="rect">
+                  <a:avLst/>
+                </a:prstGeom>
+                <a:noFill/>
+              </p:spPr>
+              <p:txBody>
+                <a:bodyPr wrap="none" lIns="0" tIns="0" rIns="0" bIns="0" rtlCol="0">
+                  <a:spAutoFit/>
+                </a:bodyPr>
+                <a:lstStyle/>
+                <a:p>
+                  <a14:m>
+                    <m:oMathPara xmlns:m="http://schemas.openxmlformats.org/officeDocument/2006/math">
+                      <m:oMathParaPr>
+                        <m:jc m:val="centerGroup"/>
+                      </m:oMathParaPr>
+                      <m:oMath xmlns:m="http://schemas.openxmlformats.org/officeDocument/2006/math">
+                        <m:f>
+                          <m:fPr>
+                            <m:ctrlPr>
+                              <a:rPr lang="en-US" sz="2000" i="1" smtClean="0">
+                                <a:latin typeface="Cambria Math" panose="02040503050406030204" pitchFamily="18" charset="0"/>
+                              </a:rPr>
+                            </m:ctrlPr>
+                          </m:fPr>
+                          <m:num>
+                            <m:r>
+                              <a:rPr lang="en-CA" sz="2000" b="0" i="1" smtClean="0">
+                                <a:latin typeface="Cambria Math" panose="02040503050406030204" pitchFamily="18" charset="0"/>
+                              </a:rPr>
+                              <m:t>1</m:t>
+                            </m:r>
+                          </m:num>
+                          <m:den>
+                            <m:r>
+                              <a:rPr lang="en-CA" sz="2000" b="0" i="1" smtClean="0">
+                                <a:latin typeface="Cambria Math" panose="02040503050406030204" pitchFamily="18" charset="0"/>
+                              </a:rPr>
+                              <m:t>𝑅</m:t>
+                            </m:r>
+                            <m:r>
+                              <a:rPr lang="en-CA" sz="2000" b="0" i="1" baseline="-25000" smtClean="0">
+                                <a:latin typeface="Cambria Math" panose="02040503050406030204" pitchFamily="18" charset="0"/>
+                              </a:rPr>
+                              <m:t>𝑒𝑞</m:t>
+                            </m:r>
+                          </m:den>
+                        </m:f>
+                        <m:r>
+                          <a:rPr lang="en-CA" sz="2000" b="0" i="1" smtClean="0">
+                            <a:latin typeface="Cambria Math" panose="02040503050406030204" pitchFamily="18" charset="0"/>
+                          </a:rPr>
+                          <m:t> = </m:t>
+                        </m:r>
+                        <m:f>
+                          <m:fPr>
+                            <m:ctrlPr>
+                              <a:rPr lang="en-CA" sz="2000" b="0" i="1" smtClean="0">
+                                <a:latin typeface="Cambria Math" panose="02040503050406030204" pitchFamily="18" charset="0"/>
+                              </a:rPr>
+                            </m:ctrlPr>
+                          </m:fPr>
+                          <m:num>
+                            <m:r>
+                              <a:rPr lang="en-CA" sz="2000" b="0" i="1" smtClean="0">
+                                <a:latin typeface="Cambria Math" panose="02040503050406030204" pitchFamily="18" charset="0"/>
+                              </a:rPr>
+                              <m:t>1</m:t>
+                            </m:r>
+                          </m:num>
+                          <m:den>
+                            <m:r>
+                              <a:rPr lang="en-CA" sz="2000" b="0" i="1" smtClean="0">
+                                <a:latin typeface="Cambria Math" panose="02040503050406030204" pitchFamily="18" charset="0"/>
+                              </a:rPr>
+                              <m:t>𝑅</m:t>
+                            </m:r>
+                            <m:r>
+                              <a:rPr lang="en-CA" sz="2000" b="0" i="1" baseline="-25000" smtClean="0">
+                                <a:latin typeface="Cambria Math" panose="02040503050406030204" pitchFamily="18" charset="0"/>
+                              </a:rPr>
+                              <m:t>1</m:t>
+                            </m:r>
+                          </m:den>
+                        </m:f>
+                        <m:r>
+                          <a:rPr lang="en-CA" sz="2000" b="0" i="1" smtClean="0">
+                            <a:latin typeface="Cambria Math" panose="02040503050406030204" pitchFamily="18" charset="0"/>
+                          </a:rPr>
+                          <m:t>  +  </m:t>
+                        </m:r>
+                        <m:f>
+                          <m:fPr>
+                            <m:ctrlPr>
+                              <a:rPr lang="en-CA" sz="2000" b="0" i="1" smtClean="0">
+                                <a:latin typeface="Cambria Math" panose="02040503050406030204" pitchFamily="18" charset="0"/>
+                              </a:rPr>
+                            </m:ctrlPr>
+                          </m:fPr>
+                          <m:num>
+                            <m:r>
+                              <a:rPr lang="en-CA" sz="2000" b="0" i="1" smtClean="0">
+                                <a:latin typeface="Cambria Math" panose="02040503050406030204" pitchFamily="18" charset="0"/>
+                              </a:rPr>
+                              <m:t>1</m:t>
+                            </m:r>
+                          </m:num>
+                          <m:den>
+                            <m:r>
+                              <a:rPr lang="en-CA" sz="2000" b="0" i="1" smtClean="0">
+                                <a:latin typeface="Cambria Math" panose="02040503050406030204" pitchFamily="18" charset="0"/>
+                              </a:rPr>
+                              <m:t>𝑅</m:t>
+                            </m:r>
+                            <m:r>
+                              <a:rPr lang="en-CA" sz="2000" b="0" i="1" baseline="-25000" smtClean="0">
+                                <a:latin typeface="Cambria Math" panose="02040503050406030204" pitchFamily="18" charset="0"/>
+                              </a:rPr>
+                              <m:t>2</m:t>
+                            </m:r>
+                          </m:den>
+                        </m:f>
+                        <m:r>
+                          <a:rPr lang="en-CA" sz="2000" b="0" i="1" smtClean="0">
+                            <a:latin typeface="Cambria Math" panose="02040503050406030204" pitchFamily="18" charset="0"/>
+                          </a:rPr>
+                          <m:t> + </m:t>
+                        </m:r>
+                        <m:f>
+                          <m:fPr>
+                            <m:ctrlPr>
+                              <a:rPr lang="en-CA" sz="2000" b="0" i="1" smtClean="0">
+                                <a:latin typeface="Cambria Math" panose="02040503050406030204" pitchFamily="18" charset="0"/>
+                              </a:rPr>
+                            </m:ctrlPr>
+                          </m:fPr>
+                          <m:num>
+                            <m:r>
+                              <a:rPr lang="en-CA" sz="2000" b="0" i="1" smtClean="0">
+                                <a:latin typeface="Cambria Math" panose="02040503050406030204" pitchFamily="18" charset="0"/>
+                              </a:rPr>
+                              <m:t>1</m:t>
+                            </m:r>
+                          </m:num>
+                          <m:den>
+                            <m:r>
+                              <a:rPr lang="en-CA" sz="2000" b="0" i="1" smtClean="0">
+                                <a:latin typeface="Cambria Math" panose="02040503050406030204" pitchFamily="18" charset="0"/>
+                              </a:rPr>
+                              <m:t>𝑅</m:t>
+                            </m:r>
+                            <m:r>
+                              <a:rPr lang="en-CA" sz="2000" b="0" i="1" baseline="-25000" smtClean="0">
+                                <a:latin typeface="Cambria Math" panose="02040503050406030204" pitchFamily="18" charset="0"/>
+                              </a:rPr>
+                              <m:t>3</m:t>
+                            </m:r>
+                          </m:den>
+                        </m:f>
+                      </m:oMath>
+                    </m:oMathPara>
+                  </a14:m>
+                  <a:endParaRPr lang="en-US" dirty="0"/>
+                </a:p>
+              </p:txBody>
+            </p:sp>
+          </mc:Choice>
+          <mc:Fallback>
+            <p:sp>
+              <p:nvSpPr>
+                <p:cNvPr id="12" name="TextBox 11"/>
+                <p:cNvSpPr txBox="1">
+                  <a:spLocks noRot="1" noChangeAspect="1" noMove="1" noResize="1" noEditPoints="1" noAdjustHandles="1" noChangeArrowheads="1" noChangeShapeType="1" noTextEdit="1"/>
+                </p:cNvSpPr>
+                <p:nvPr/>
+              </p:nvSpPr>
+              <p:spPr>
+                <a:xfrm>
+                  <a:off x="4057248" y="5413805"/>
+                  <a:ext cx="2575962" cy="612091"/>
+                </a:xfrm>
+                <a:prstGeom prst="rect">
+                  <a:avLst/>
+                </a:prstGeom>
+                <a:blipFill>
+                  <a:blip r:embed="rId3"/>
+                  <a:stretch>
+                    <a:fillRect b="-7921"/>
+                  </a:stretch>
+                </a:blipFill>
+              </p:spPr>
+              <p:txBody>
+                <a:bodyPr/>
+                <a:lstStyle/>
+                <a:p>
+                  <a:r>
+                    <a:rPr lang="en-US">
+                      <a:noFill/>
+                    </a:rPr>
+                    <a:t> </a:t>
+                  </a:r>
+                </a:p>
+              </p:txBody>
+            </p:sp>
+          </mc:Fallback>
+        </mc:AlternateContent>
+      </p:grpSp>
+    </p:spTree>
+    <p:extLst>
+      <p:ext uri="{BB962C8B-B14F-4D97-AF65-F5344CB8AC3E}">
+        <p14:creationId xmlns:p14="http://schemas.microsoft.com/office/powerpoint/2010/main" val="2481579186"/>
+      </p:ext>
+    </p:extLst>
+  </p:cSld>
+  <p:clrMapOvr>
+    <a:masterClrMapping/>
+  </p:clrMapOvr>
+  <p:timing>
+    <p:tnLst>
+      <p:par>
+        <p:cTn id="1" dur="indefinite" restart="never" nodeType="tmRoot"/>
+      </p:par>
+    </p:tnLst>
+  </p:timing>
+</p:sld>
+</file>
+
+<file path=ppt/slides/slide4.xml><?xml version="1.0" encoding="utf-8"?>
 <p:sld xmlns:a="http://schemas.openxmlformats.org/drawingml/2006/main" xmlns:r="http://schemas.openxmlformats.org/officeDocument/2006/relationships" xmlns:p="http://schemas.openxmlformats.org/presentationml/2006/main">
   <p:cSld>
     <p:spTree>
@@ -10973,273 +12174,13 @@
   <p:clrMapOvr>
     <a:masterClrMapping/>
   </p:clrMapOvr>
-</p:sld>
-</file>
-
-<file path=ppt/slides/slide3.xml><?xml version="1.0" encoding="utf-8"?>
-<p:sld xmlns:a="http://schemas.openxmlformats.org/drawingml/2006/main" xmlns:r="http://schemas.openxmlformats.org/officeDocument/2006/relationships" xmlns:p="http://schemas.openxmlformats.org/presentationml/2006/main">
-  <p:cSld>
-    <p:spTree>
-      <p:nvGrpSpPr>
-        <p:cNvPr id="1" name=""/>
-        <p:cNvGrpSpPr/>
-        <p:nvPr/>
-      </p:nvGrpSpPr>
-      <p:grpSpPr>
-        <a:xfrm>
-          <a:off x="0" y="0"/>
-          <a:ext cx="0" cy="0"/>
-          <a:chOff x="0" y="0"/>
-          <a:chExt cx="0" cy="0"/>
-        </a:xfrm>
-      </p:grpSpPr>
-      <p:sp>
-        <p:nvSpPr>
-          <p:cNvPr id="2" name="Title 1"/>
-          <p:cNvSpPr>
-            <a:spLocks noGrp="1"/>
-          </p:cNvSpPr>
-          <p:nvPr>
-            <p:ph type="title"/>
-          </p:nvPr>
-        </p:nvSpPr>
-        <p:spPr/>
-        <p:txBody>
-          <a:bodyPr/>
-          <a:lstStyle/>
-          <a:p>
-            <a:r>
-              <a:rPr lang="en-CA" dirty="0" smtClean="0"/>
-              <a:t>Series Circuit – Equivalent Resistance</a:t>
-            </a:r>
-            <a:endParaRPr lang="en-US" dirty="0"/>
-          </a:p>
-        </p:txBody>
-      </p:sp>
-      <p:sp>
-        <p:nvSpPr>
-          <p:cNvPr id="3" name="Content Placeholder 2"/>
-          <p:cNvSpPr>
-            <a:spLocks noGrp="1"/>
-          </p:cNvSpPr>
-          <p:nvPr>
-            <p:ph idx="1"/>
-          </p:nvPr>
-        </p:nvSpPr>
-        <p:spPr/>
-        <p:txBody>
-          <a:bodyPr/>
-          <a:lstStyle/>
-          <a:p>
-            <a:r>
-              <a:rPr lang="en-CA" dirty="0" smtClean="0"/>
-              <a:t>Use the Equivalent Resistance to find the following:</a:t>
-            </a:r>
-          </a:p>
-          <a:p>
-            <a:pPr marL="914400" lvl="1" indent="-457200">
-              <a:buFont typeface="+mj-lt"/>
-              <a:buAutoNum type="alphaLcParenR"/>
-            </a:pPr>
-            <a:r>
-              <a:rPr lang="en-CA" dirty="0" smtClean="0"/>
-              <a:t>Battery Current (use: I = V/R)</a:t>
-            </a:r>
-          </a:p>
-          <a:p>
-            <a:pPr marL="914400" lvl="1" indent="-457200">
-              <a:buFont typeface="+mj-lt"/>
-              <a:buAutoNum type="alphaLcParenR"/>
-            </a:pPr>
-            <a:r>
-              <a:rPr lang="en-CA" dirty="0" smtClean="0"/>
-              <a:t>Voltage drop across each resistor (use: V = IR)</a:t>
-            </a:r>
-            <a:endParaRPr lang="en-US" dirty="0"/>
-          </a:p>
-        </p:txBody>
-      </p:sp>
-      <p:pic>
-        <p:nvPicPr>
-          <p:cNvPr id="17" name="Picture 16"/>
-          <p:cNvPicPr>
-            <a:picLocks noChangeAspect="1"/>
-          </p:cNvPicPr>
-          <p:nvPr/>
-        </p:nvPicPr>
-        <p:blipFill>
-          <a:blip r:embed="rId2"/>
-          <a:stretch>
-            <a:fillRect/>
-          </a:stretch>
-        </p:blipFill>
-        <p:spPr>
-          <a:xfrm>
-            <a:off x="1643062" y="3550210"/>
-            <a:ext cx="5334693" cy="2761690"/>
-          </a:xfrm>
-          <a:prstGeom prst="rect">
-            <a:avLst/>
-          </a:prstGeom>
-        </p:spPr>
-      </p:pic>
-    </p:spTree>
-    <p:extLst>
-      <p:ext uri="{BB962C8B-B14F-4D97-AF65-F5344CB8AC3E}">
-        <p14:creationId xmlns:p14="http://schemas.microsoft.com/office/powerpoint/2010/main" val="2793505261"/>
-      </p:ext>
-    </p:extLst>
-  </p:cSld>
-  <p:clrMapOvr>
-    <a:masterClrMapping/>
-  </p:clrMapOvr>
-</p:sld>
-</file>
-
-<file path=ppt/slides/slide4.xml><?xml version="1.0" encoding="utf-8"?>
-<p:sld xmlns:a="http://schemas.openxmlformats.org/drawingml/2006/main" xmlns:r="http://schemas.openxmlformats.org/officeDocument/2006/relationships" xmlns:p="http://schemas.openxmlformats.org/presentationml/2006/main">
-  <p:cSld>
-    <p:spTree>
-      <p:nvGrpSpPr>
-        <p:cNvPr id="1" name=""/>
-        <p:cNvGrpSpPr/>
-        <p:nvPr/>
-      </p:nvGrpSpPr>
-      <p:grpSpPr>
-        <a:xfrm>
-          <a:off x="0" y="0"/>
-          <a:ext cx="0" cy="0"/>
-          <a:chOff x="0" y="0"/>
-          <a:chExt cx="0" cy="0"/>
-        </a:xfrm>
-      </p:grpSpPr>
-      <p:sp>
-        <p:nvSpPr>
-          <p:cNvPr id="2" name="Title 1"/>
-          <p:cNvSpPr>
-            <a:spLocks noGrp="1"/>
-          </p:cNvSpPr>
-          <p:nvPr>
-            <p:ph type="title"/>
-          </p:nvPr>
-        </p:nvSpPr>
-        <p:spPr/>
-        <p:txBody>
-          <a:bodyPr/>
-          <a:lstStyle/>
-          <a:p>
-            <a:r>
-              <a:rPr lang="en-CA" dirty="0" smtClean="0"/>
-              <a:t>Parallel Circuit – Equivalent Resistance</a:t>
-            </a:r>
-            <a:endParaRPr lang="en-US" dirty="0"/>
-          </a:p>
-        </p:txBody>
-      </p:sp>
-      <p:sp>
-        <p:nvSpPr>
-          <p:cNvPr id="3" name="Content Placeholder 2"/>
-          <p:cNvSpPr>
-            <a:spLocks noGrp="1"/>
-          </p:cNvSpPr>
-          <p:nvPr>
-            <p:ph idx="1"/>
-          </p:nvPr>
-        </p:nvSpPr>
-        <p:spPr/>
-        <p:txBody>
-          <a:bodyPr/>
-          <a:lstStyle/>
-          <a:p>
-            <a:r>
-              <a:rPr lang="en-CA" dirty="0" smtClean="0"/>
-              <a:t>Find the Equivalent Resistance of the following circuit</a:t>
-            </a:r>
-            <a:r>
-              <a:rPr lang="en-US" dirty="0" smtClean="0"/>
-              <a:t/>
-            </a:r>
-            <a:br>
-              <a:rPr lang="en-US" dirty="0" smtClean="0"/>
-            </a:br>
-            <a:r>
-              <a:rPr lang="en-US" dirty="0" smtClean="0"/>
-              <a:t>(use: 1/</a:t>
-            </a:r>
-            <a:r>
-              <a:rPr lang="en-US" dirty="0" err="1" smtClean="0"/>
-              <a:t>R</a:t>
-            </a:r>
-            <a:r>
-              <a:rPr lang="en-US" baseline="-25000" dirty="0" err="1" smtClean="0"/>
-              <a:t>eq</a:t>
-            </a:r>
-            <a:r>
-              <a:rPr lang="en-US" dirty="0" smtClean="0"/>
-              <a:t> = 1/R</a:t>
-            </a:r>
-            <a:r>
-              <a:rPr lang="en-US" baseline="-25000" dirty="0" smtClean="0"/>
-              <a:t>1</a:t>
-            </a:r>
-            <a:r>
-              <a:rPr lang="en-US" dirty="0" smtClean="0"/>
-              <a:t> + 1/R</a:t>
-            </a:r>
-            <a:r>
-              <a:rPr lang="en-US" baseline="-25000" dirty="0" smtClean="0"/>
-              <a:t>2</a:t>
-            </a:r>
-            <a:r>
-              <a:rPr lang="en-US" dirty="0" smtClean="0"/>
-              <a:t> + 1/R</a:t>
-            </a:r>
-            <a:r>
-              <a:rPr lang="en-US" baseline="-25000" dirty="0" smtClean="0"/>
-              <a:t>3</a:t>
-            </a:r>
-            <a:r>
-              <a:rPr lang="en-US" dirty="0" smtClean="0"/>
-              <a:t>)</a:t>
-            </a:r>
-            <a:endParaRPr lang="en-CA" dirty="0" smtClean="0"/>
-          </a:p>
-        </p:txBody>
-      </p:sp>
-      <p:pic>
-        <p:nvPicPr>
-          <p:cNvPr id="4" name="Picture 3"/>
-          <p:cNvPicPr>
-            <a:picLocks noChangeAspect="1"/>
-          </p:cNvPicPr>
-          <p:nvPr/>
-        </p:nvPicPr>
-        <p:blipFill>
-          <a:blip r:embed="rId2"/>
-          <a:stretch>
-            <a:fillRect/>
-          </a:stretch>
-        </p:blipFill>
-        <p:spPr>
-          <a:xfrm>
-            <a:off x="1731309" y="3472422"/>
-            <a:ext cx="5154964" cy="2704541"/>
-          </a:xfrm>
-          <a:prstGeom prst="rect">
-            <a:avLst/>
-          </a:prstGeom>
-        </p:spPr>
-      </p:pic>
-    </p:spTree>
-    <p:extLst>
-      <p:ext uri="{BB962C8B-B14F-4D97-AF65-F5344CB8AC3E}">
-        <p14:creationId xmlns:p14="http://schemas.microsoft.com/office/powerpoint/2010/main" val="2089993920"/>
-      </p:ext>
-    </p:extLst>
-  </p:cSld>
-  <p:clrMapOvr>
-    <a:masterClrMapping/>
-  </p:clrMapOvr>
+  <p:timing>
+    <p:tnLst>
+      <p:par>
+        <p:cTn id="1" dur="indefinite" restart="never" nodeType="tmRoot"/>
+      </p:par>
+    </p:tnLst>
+  </p:timing>
 </p:sld>
 </file>
 
@@ -11277,7 +12218,7 @@
           <a:p>
             <a:r>
               <a:rPr lang="en-CA" dirty="0" smtClean="0"/>
-              <a:t>Parallel Circuit – Equivalent Resistance</a:t>
+              <a:t>Series Circuit – Equivalent Resistance</a:t>
             </a:r>
             <a:endParaRPr lang="en-US" dirty="0"/>
           </a:p>
@@ -11328,7 +12269,7 @@
       </p:sp>
       <p:pic>
         <p:nvPicPr>
-          <p:cNvPr id="5" name="Picture 4"/>
+          <p:cNvPr id="17" name="Picture 16"/>
           <p:cNvPicPr>
             <a:picLocks noChangeAspect="1"/>
           </p:cNvPicPr>
@@ -11342,8 +12283,8 @@
         </p:blipFill>
         <p:spPr>
           <a:xfrm>
-            <a:off x="1731309" y="3472422"/>
-            <a:ext cx="5154964" cy="2704541"/>
+            <a:off x="1643062" y="3550210"/>
+            <a:ext cx="5334693" cy="2761690"/>
           </a:xfrm>
           <a:prstGeom prst="rect">
             <a:avLst/>
@@ -11353,7 +12294,7 @@
     </p:spTree>
     <p:extLst>
       <p:ext uri="{BB962C8B-B14F-4D97-AF65-F5344CB8AC3E}">
-        <p14:creationId xmlns:p14="http://schemas.microsoft.com/office/powerpoint/2010/main" val="2710341118"/>
+        <p14:creationId xmlns:p14="http://schemas.microsoft.com/office/powerpoint/2010/main" val="2793505261"/>
       </p:ext>
     </p:extLst>
   </p:cSld>
@@ -11397,6 +12338,280 @@
           <a:p>
             <a:r>
               <a:rPr lang="en-CA" dirty="0" smtClean="0"/>
+              <a:t>Parallel Circuit – Equivalent Resistance</a:t>
+            </a:r>
+            <a:endParaRPr lang="en-US" dirty="0"/>
+          </a:p>
+        </p:txBody>
+      </p:sp>
+      <p:sp>
+        <p:nvSpPr>
+          <p:cNvPr id="3" name="Content Placeholder 2"/>
+          <p:cNvSpPr>
+            <a:spLocks noGrp="1"/>
+          </p:cNvSpPr>
+          <p:nvPr>
+            <p:ph idx="1"/>
+          </p:nvPr>
+        </p:nvSpPr>
+        <p:spPr/>
+        <p:txBody>
+          <a:bodyPr/>
+          <a:lstStyle/>
+          <a:p>
+            <a:r>
+              <a:rPr lang="en-CA" dirty="0" smtClean="0"/>
+              <a:t>Find the Equivalent Resistance of the following circuit</a:t>
+            </a:r>
+            <a:r>
+              <a:rPr lang="en-US" dirty="0" smtClean="0"/>
+              <a:t/>
+            </a:r>
+            <a:br>
+              <a:rPr lang="en-US" dirty="0" smtClean="0"/>
+            </a:br>
+            <a:r>
+              <a:rPr lang="en-US" dirty="0" smtClean="0"/>
+              <a:t>(use: 1/</a:t>
+            </a:r>
+            <a:r>
+              <a:rPr lang="en-US" dirty="0" err="1" smtClean="0"/>
+              <a:t>R</a:t>
+            </a:r>
+            <a:r>
+              <a:rPr lang="en-US" baseline="-25000" dirty="0" err="1" smtClean="0"/>
+              <a:t>eq</a:t>
+            </a:r>
+            <a:r>
+              <a:rPr lang="en-US" dirty="0" smtClean="0"/>
+              <a:t> = 1/R</a:t>
+            </a:r>
+            <a:r>
+              <a:rPr lang="en-US" baseline="-25000" dirty="0" smtClean="0"/>
+              <a:t>1</a:t>
+            </a:r>
+            <a:r>
+              <a:rPr lang="en-US" dirty="0" smtClean="0"/>
+              <a:t> + 1/R</a:t>
+            </a:r>
+            <a:r>
+              <a:rPr lang="en-US" baseline="-25000" dirty="0" smtClean="0"/>
+              <a:t>2</a:t>
+            </a:r>
+            <a:r>
+              <a:rPr lang="en-US" dirty="0" smtClean="0"/>
+              <a:t> + 1/R</a:t>
+            </a:r>
+            <a:r>
+              <a:rPr lang="en-US" baseline="-25000" dirty="0" smtClean="0"/>
+              <a:t>3</a:t>
+            </a:r>
+            <a:r>
+              <a:rPr lang="en-US" dirty="0" smtClean="0"/>
+              <a:t>)</a:t>
+            </a:r>
+            <a:endParaRPr lang="en-CA" dirty="0" smtClean="0"/>
+          </a:p>
+        </p:txBody>
+      </p:sp>
+      <p:pic>
+        <p:nvPicPr>
+          <p:cNvPr id="4" name="Picture 3"/>
+          <p:cNvPicPr>
+            <a:picLocks noChangeAspect="1"/>
+          </p:cNvPicPr>
+          <p:nvPr/>
+        </p:nvPicPr>
+        <p:blipFill>
+          <a:blip r:embed="rId2"/>
+          <a:stretch>
+            <a:fillRect/>
+          </a:stretch>
+        </p:blipFill>
+        <p:spPr>
+          <a:xfrm>
+            <a:off x="1731309" y="3472422"/>
+            <a:ext cx="5154964" cy="2704541"/>
+          </a:xfrm>
+          <a:prstGeom prst="rect">
+            <a:avLst/>
+          </a:prstGeom>
+        </p:spPr>
+      </p:pic>
+    </p:spTree>
+    <p:extLst>
+      <p:ext uri="{BB962C8B-B14F-4D97-AF65-F5344CB8AC3E}">
+        <p14:creationId xmlns:p14="http://schemas.microsoft.com/office/powerpoint/2010/main" val="2089993920"/>
+      </p:ext>
+    </p:extLst>
+  </p:cSld>
+  <p:clrMapOvr>
+    <a:masterClrMapping/>
+  </p:clrMapOvr>
+</p:sld>
+</file>
+
+<file path=ppt/slides/slide7.xml><?xml version="1.0" encoding="utf-8"?>
+<p:sld xmlns:a="http://schemas.openxmlformats.org/drawingml/2006/main" xmlns:r="http://schemas.openxmlformats.org/officeDocument/2006/relationships" xmlns:p="http://schemas.openxmlformats.org/presentationml/2006/main">
+  <p:cSld>
+    <p:spTree>
+      <p:nvGrpSpPr>
+        <p:cNvPr id="1" name=""/>
+        <p:cNvGrpSpPr/>
+        <p:nvPr/>
+      </p:nvGrpSpPr>
+      <p:grpSpPr>
+        <a:xfrm>
+          <a:off x="0" y="0"/>
+          <a:ext cx="0" cy="0"/>
+          <a:chOff x="0" y="0"/>
+          <a:chExt cx="0" cy="0"/>
+        </a:xfrm>
+      </p:grpSpPr>
+      <p:sp>
+        <p:nvSpPr>
+          <p:cNvPr id="2" name="Title 1"/>
+          <p:cNvSpPr>
+            <a:spLocks noGrp="1"/>
+          </p:cNvSpPr>
+          <p:nvPr>
+            <p:ph type="title"/>
+          </p:nvPr>
+        </p:nvSpPr>
+        <p:spPr/>
+        <p:txBody>
+          <a:bodyPr/>
+          <a:lstStyle/>
+          <a:p>
+            <a:r>
+              <a:rPr lang="en-CA" dirty="0" smtClean="0"/>
+              <a:t>Parallel Circuit – Equivalent Resistance</a:t>
+            </a:r>
+            <a:endParaRPr lang="en-US" dirty="0"/>
+          </a:p>
+        </p:txBody>
+      </p:sp>
+      <p:sp>
+        <p:nvSpPr>
+          <p:cNvPr id="3" name="Content Placeholder 2"/>
+          <p:cNvSpPr>
+            <a:spLocks noGrp="1"/>
+          </p:cNvSpPr>
+          <p:nvPr>
+            <p:ph idx="1"/>
+          </p:nvPr>
+        </p:nvSpPr>
+        <p:spPr/>
+        <p:txBody>
+          <a:bodyPr/>
+          <a:lstStyle/>
+          <a:p>
+            <a:r>
+              <a:rPr lang="en-CA" dirty="0" smtClean="0"/>
+              <a:t>Use the Equivalent Resistance to find the following:</a:t>
+            </a:r>
+          </a:p>
+          <a:p>
+            <a:pPr marL="914400" lvl="1" indent="-457200">
+              <a:buFont typeface="+mj-lt"/>
+              <a:buAutoNum type="alphaLcParenR"/>
+            </a:pPr>
+            <a:r>
+              <a:rPr lang="en-CA" dirty="0" smtClean="0"/>
+              <a:t>Battery Current (use: I = V/R)</a:t>
+            </a:r>
+          </a:p>
+          <a:p>
+            <a:pPr marL="914400" lvl="1" indent="-457200">
+              <a:buFont typeface="+mj-lt"/>
+              <a:buAutoNum type="alphaLcParenR"/>
+            </a:pPr>
+            <a:r>
+              <a:rPr lang="en-CA" dirty="0" smtClean="0"/>
+              <a:t>Voltage drop across each resistor (use: V = IR)</a:t>
+            </a:r>
+            <a:endParaRPr lang="en-US" dirty="0"/>
+          </a:p>
+        </p:txBody>
+      </p:sp>
+      <p:pic>
+        <p:nvPicPr>
+          <p:cNvPr id="5" name="Picture 4"/>
+          <p:cNvPicPr>
+            <a:picLocks noChangeAspect="1"/>
+          </p:cNvPicPr>
+          <p:nvPr/>
+        </p:nvPicPr>
+        <p:blipFill>
+          <a:blip r:embed="rId2"/>
+          <a:stretch>
+            <a:fillRect/>
+          </a:stretch>
+        </p:blipFill>
+        <p:spPr>
+          <a:xfrm>
+            <a:off x="1731309" y="3472422"/>
+            <a:ext cx="5154964" cy="2704541"/>
+          </a:xfrm>
+          <a:prstGeom prst="rect">
+            <a:avLst/>
+          </a:prstGeom>
+        </p:spPr>
+      </p:pic>
+    </p:spTree>
+    <p:extLst>
+      <p:ext uri="{BB962C8B-B14F-4D97-AF65-F5344CB8AC3E}">
+        <p14:creationId xmlns:p14="http://schemas.microsoft.com/office/powerpoint/2010/main" val="2710341118"/>
+      </p:ext>
+    </p:extLst>
+  </p:cSld>
+  <p:clrMapOvr>
+    <a:masterClrMapping/>
+  </p:clrMapOvr>
+  <p:timing>
+    <p:tnLst>
+      <p:par>
+        <p:cTn id="1" dur="indefinite" restart="never" nodeType="tmRoot"/>
+      </p:par>
+    </p:tnLst>
+  </p:timing>
+</p:sld>
+</file>
+
+<file path=ppt/slides/slide8.xml><?xml version="1.0" encoding="utf-8"?>
+<p:sld xmlns:a="http://schemas.openxmlformats.org/drawingml/2006/main" xmlns:r="http://schemas.openxmlformats.org/officeDocument/2006/relationships" xmlns:p="http://schemas.openxmlformats.org/presentationml/2006/main">
+  <p:cSld>
+    <p:spTree>
+      <p:nvGrpSpPr>
+        <p:cNvPr id="1" name=""/>
+        <p:cNvGrpSpPr/>
+        <p:nvPr/>
+      </p:nvGrpSpPr>
+      <p:grpSpPr>
+        <a:xfrm>
+          <a:off x="0" y="0"/>
+          <a:ext cx="0" cy="0"/>
+          <a:chOff x="0" y="0"/>
+          <a:chExt cx="0" cy="0"/>
+        </a:xfrm>
+      </p:grpSpPr>
+      <p:sp>
+        <p:nvSpPr>
+          <p:cNvPr id="2" name="Title 1"/>
+          <p:cNvSpPr>
+            <a:spLocks noGrp="1"/>
+          </p:cNvSpPr>
+          <p:nvPr>
+            <p:ph type="title"/>
+          </p:nvPr>
+        </p:nvSpPr>
+        <p:spPr/>
+        <p:txBody>
+          <a:bodyPr/>
+          <a:lstStyle/>
+          <a:p>
+            <a:r>
+              <a:rPr lang="en-CA" dirty="0" smtClean="0"/>
               <a:t>Mixed Circuits – Equivalent Resistance</a:t>
             </a:r>
             <a:endParaRPr lang="en-US" dirty="0"/>
@@ -11467,10 +12682,17 @@
   <p:clrMapOvr>
     <a:masterClrMapping/>
   </p:clrMapOvr>
+  <p:timing>
+    <p:tnLst>
+      <p:par>
+        <p:cTn id="1" dur="indefinite" restart="never" nodeType="tmRoot"/>
+      </p:par>
+    </p:tnLst>
+  </p:timing>
 </p:sld>
 </file>
 
-<file path=ppt/slides/slide7.xml><?xml version="1.0" encoding="utf-8"?>
+<file path=ppt/slides/slide9.xml><?xml version="1.0" encoding="utf-8"?>
 <p:sld xmlns:a="http://schemas.openxmlformats.org/drawingml/2006/main" xmlns:r="http://schemas.openxmlformats.org/officeDocument/2006/relationships" xmlns:p="http://schemas.openxmlformats.org/presentationml/2006/main">
   <p:cSld>
     <p:spTree>
@@ -11598,276 +12820,13 @@
   <p:clrMapOvr>
     <a:masterClrMapping/>
   </p:clrMapOvr>
-</p:sld>
-</file>
-
-<file path=ppt/slides/slide8.xml><?xml version="1.0" encoding="utf-8"?>
-<p:sld xmlns:a="http://schemas.openxmlformats.org/drawingml/2006/main" xmlns:r="http://schemas.openxmlformats.org/officeDocument/2006/relationships" xmlns:p="http://schemas.openxmlformats.org/presentationml/2006/main">
-  <p:cSld>
-    <p:spTree>
-      <p:nvGrpSpPr>
-        <p:cNvPr id="1" name=""/>
-        <p:cNvGrpSpPr/>
-        <p:nvPr/>
-      </p:nvGrpSpPr>
-      <p:grpSpPr>
-        <a:xfrm>
-          <a:off x="0" y="0"/>
-          <a:ext cx="0" cy="0"/>
-          <a:chOff x="0" y="0"/>
-          <a:chExt cx="0" cy="0"/>
-        </a:xfrm>
-      </p:grpSpPr>
-      <p:sp>
-        <p:nvSpPr>
-          <p:cNvPr id="2" name="Title 1"/>
-          <p:cNvSpPr>
-            <a:spLocks noGrp="1"/>
-          </p:cNvSpPr>
-          <p:nvPr>
-            <p:ph type="title"/>
-          </p:nvPr>
-        </p:nvSpPr>
-        <p:spPr/>
-        <p:txBody>
-          <a:bodyPr/>
-          <a:lstStyle/>
-          <a:p>
-            <a:r>
-              <a:rPr lang="en-CA" dirty="0" smtClean="0"/>
-              <a:t>Mixed Circuits – Equivalent Resistance</a:t>
-            </a:r>
-            <a:endParaRPr lang="en-US" dirty="0"/>
-          </a:p>
-        </p:txBody>
-      </p:sp>
-      <p:sp>
-        <p:nvSpPr>
-          <p:cNvPr id="3" name="Content Placeholder 2"/>
-          <p:cNvSpPr>
-            <a:spLocks noGrp="1"/>
-          </p:cNvSpPr>
-          <p:nvPr>
-            <p:ph idx="1"/>
-          </p:nvPr>
-        </p:nvSpPr>
-        <p:spPr/>
-        <p:txBody>
-          <a:bodyPr/>
-          <a:lstStyle/>
-          <a:p>
-            <a:r>
-              <a:rPr lang="en-CA" dirty="0" smtClean="0"/>
-              <a:t>2</a:t>
-            </a:r>
-            <a:r>
-              <a:rPr lang="en-CA" baseline="30000" dirty="0" smtClean="0"/>
-              <a:t>nd</a:t>
-            </a:r>
-            <a:r>
-              <a:rPr lang="en-CA" dirty="0" smtClean="0"/>
-              <a:t> Hint: How is the mixed circuit </a:t>
-            </a:r>
-            <a:r>
-              <a:rPr lang="en-CA" b="1" i="1" dirty="0" smtClean="0"/>
-              <a:t>Equivalent</a:t>
-            </a:r>
-            <a:r>
-              <a:rPr lang="en-CA" dirty="0" smtClean="0"/>
-              <a:t> to the series circuit?</a:t>
-            </a:r>
-          </a:p>
-        </p:txBody>
-      </p:sp>
-      <p:pic>
-        <p:nvPicPr>
-          <p:cNvPr id="4" name="Picture 3"/>
-          <p:cNvPicPr>
-            <a:picLocks noChangeAspect="1"/>
-          </p:cNvPicPr>
-          <p:nvPr/>
-        </p:nvPicPr>
-        <p:blipFill>
-          <a:blip r:embed="rId2"/>
-          <a:stretch>
-            <a:fillRect/>
-          </a:stretch>
-        </p:blipFill>
-        <p:spPr>
-          <a:xfrm>
-            <a:off x="1222281" y="3405981"/>
-            <a:ext cx="5242394" cy="2510725"/>
-          </a:xfrm>
-          <a:prstGeom prst="rect">
-            <a:avLst/>
-          </a:prstGeom>
-        </p:spPr>
-      </p:pic>
-      <p:pic>
-        <p:nvPicPr>
-          <p:cNvPr id="5" name="Picture 4"/>
-          <p:cNvPicPr>
-            <a:picLocks noChangeAspect="1"/>
-          </p:cNvPicPr>
-          <p:nvPr/>
-        </p:nvPicPr>
-        <p:blipFill>
-          <a:blip r:embed="rId3"/>
-          <a:stretch>
-            <a:fillRect/>
-          </a:stretch>
-        </p:blipFill>
-        <p:spPr>
-          <a:xfrm>
-            <a:off x="7302567" y="2837329"/>
-            <a:ext cx="3179096" cy="1645770"/>
-          </a:xfrm>
-          <a:prstGeom prst="rect">
-            <a:avLst/>
-          </a:prstGeom>
-        </p:spPr>
-      </p:pic>
-      <p:pic>
-        <p:nvPicPr>
-          <p:cNvPr id="6" name="Picture 5"/>
-          <p:cNvPicPr>
-            <a:picLocks noChangeAspect="1"/>
-          </p:cNvPicPr>
-          <p:nvPr/>
-        </p:nvPicPr>
-        <p:blipFill>
-          <a:blip r:embed="rId4"/>
-          <a:stretch>
-            <a:fillRect/>
-          </a:stretch>
-        </p:blipFill>
-        <p:spPr>
-          <a:xfrm>
-            <a:off x="7425963" y="4596092"/>
-            <a:ext cx="3270398" cy="1715808"/>
-          </a:xfrm>
-          <a:prstGeom prst="rect">
-            <a:avLst/>
-          </a:prstGeom>
-        </p:spPr>
-      </p:pic>
-    </p:spTree>
-    <p:extLst>
-      <p:ext uri="{BB962C8B-B14F-4D97-AF65-F5344CB8AC3E}">
-        <p14:creationId xmlns:p14="http://schemas.microsoft.com/office/powerpoint/2010/main" val="1893475538"/>
-      </p:ext>
-    </p:extLst>
-  </p:cSld>
-  <p:clrMapOvr>
-    <a:masterClrMapping/>
-  </p:clrMapOvr>
-</p:sld>
-</file>
-
-<file path=ppt/slides/slide9.xml><?xml version="1.0" encoding="utf-8"?>
-<p:sld xmlns:a="http://schemas.openxmlformats.org/drawingml/2006/main" xmlns:r="http://schemas.openxmlformats.org/officeDocument/2006/relationships" xmlns:p="http://schemas.openxmlformats.org/presentationml/2006/main">
-  <p:cSld>
-    <p:spTree>
-      <p:nvGrpSpPr>
-        <p:cNvPr id="1" name=""/>
-        <p:cNvGrpSpPr/>
-        <p:nvPr/>
-      </p:nvGrpSpPr>
-      <p:grpSpPr>
-        <a:xfrm>
-          <a:off x="0" y="0"/>
-          <a:ext cx="0" cy="0"/>
-          <a:chOff x="0" y="0"/>
-          <a:chExt cx="0" cy="0"/>
-        </a:xfrm>
-      </p:grpSpPr>
-      <p:sp>
-        <p:nvSpPr>
-          <p:cNvPr id="2" name="Title 1"/>
-          <p:cNvSpPr>
-            <a:spLocks noGrp="1"/>
-          </p:cNvSpPr>
-          <p:nvPr>
-            <p:ph type="title"/>
-          </p:nvPr>
-        </p:nvSpPr>
-        <p:spPr/>
-        <p:txBody>
-          <a:bodyPr/>
-          <a:lstStyle/>
-          <a:p>
-            <a:r>
-              <a:rPr lang="en-CA" dirty="0" smtClean="0"/>
-              <a:t>Mixed Circuits – Equivalent Resistance</a:t>
-            </a:r>
-            <a:endParaRPr lang="en-US" dirty="0"/>
-          </a:p>
-        </p:txBody>
-      </p:sp>
-      <p:sp>
-        <p:nvSpPr>
-          <p:cNvPr id="3" name="Content Placeholder 2"/>
-          <p:cNvSpPr>
-            <a:spLocks noGrp="1"/>
-          </p:cNvSpPr>
-          <p:nvPr>
-            <p:ph idx="1"/>
-          </p:nvPr>
-        </p:nvSpPr>
-        <p:spPr/>
-        <p:txBody>
-          <a:bodyPr/>
-          <a:lstStyle/>
-          <a:p>
-            <a:r>
-              <a:rPr lang="en-CA" dirty="0" smtClean="0"/>
-              <a:t>Solve the following Mixed Circuit </a:t>
-            </a:r>
-          </a:p>
-          <a:p>
-            <a:pPr lvl="1"/>
-            <a:r>
-              <a:rPr lang="en-CA" dirty="0" smtClean="0"/>
-              <a:t>Solve Means: Find V, I, and R for each resistor</a:t>
-            </a:r>
-            <a:endParaRPr lang="en-US" dirty="0"/>
-          </a:p>
-        </p:txBody>
-      </p:sp>
-      <p:pic>
-        <p:nvPicPr>
-          <p:cNvPr id="4" name="Picture 3"/>
-          <p:cNvPicPr>
-            <a:picLocks noChangeAspect="1"/>
-          </p:cNvPicPr>
-          <p:nvPr/>
-        </p:nvPicPr>
-        <p:blipFill>
-          <a:blip r:embed="rId2"/>
-          <a:stretch>
-            <a:fillRect/>
-          </a:stretch>
-        </p:blipFill>
-        <p:spPr>
-          <a:xfrm>
-            <a:off x="1222281" y="3405981"/>
-            <a:ext cx="5242394" cy="2510725"/>
-          </a:xfrm>
-          <a:prstGeom prst="rect">
-            <a:avLst/>
-          </a:prstGeom>
-        </p:spPr>
-      </p:pic>
-    </p:spTree>
-    <p:extLst>
-      <p:ext uri="{BB962C8B-B14F-4D97-AF65-F5344CB8AC3E}">
-        <p14:creationId xmlns:p14="http://schemas.microsoft.com/office/powerpoint/2010/main" val="4044579967"/>
-      </p:ext>
-    </p:extLst>
-  </p:cSld>
-  <p:clrMapOvr>
-    <a:masterClrMapping/>
-  </p:clrMapOvr>
+  <p:timing>
+    <p:tnLst>
+      <p:par>
+        <p:cTn id="1" dur="indefinite" restart="never" nodeType="tmRoot"/>
+      </p:par>
+    </p:tnLst>
+  </p:timing>
 </p:sld>
 </file>
 
